--- a/宣道詩/(宣道詩264)基督化家庭.pptx
+++ b/宣道詩/(宣道詩264)基督化家庭.pptx
@@ -14,7 +14,7 @@
     <p:sldId id="262" r:id="rId8"/>
     <p:sldId id="263" r:id="rId9"/>
   </p:sldIdLst>
-  <p:sldSz cx="9144000" cy="6858000" type="screen4x3"/>
+  <p:sldSz cx="12192000" cy="6858000"/>
   <p:notesSz cx="6858000" cy="9144000"/>
   <p:defaultTextStyle>
     <a:defPPr>
@@ -111,6 +111,22 @@
       </a:defRPr>
     </a:lvl9pPr>
   </p:defaultTextStyle>
+  <p:extLst>
+    <p:ext uri="{EFAFB233-063F-42B5-8137-9DF3F51BA10A}">
+      <p15:sldGuideLst xmlns:p15="http://schemas.microsoft.com/office/powerpoint/2012/main">
+        <p15:guide id="1" orient="horz" pos="2160" userDrawn="1">
+          <p15:clr>
+            <a:srgbClr val="A4A3A4"/>
+          </p15:clr>
+        </p15:guide>
+        <p15:guide id="2" pos="3840" userDrawn="1">
+          <p15:clr>
+            <a:srgbClr val="A4A3A4"/>
+          </p15:clr>
+        </p15:guide>
+      </p15:sldGuideLst>
+    </p:ext>
+  </p:extLst>
 </p:presentation>
 </file>
 
@@ -143,8 +159,8 @@
         </p:nvSpPr>
         <p:spPr>
           <a:xfrm>
-            <a:off x="685800" y="2130425"/>
-            <a:ext cx="7772400" cy="1470025"/>
+            <a:off x="914400" y="2130426"/>
+            <a:ext cx="10363200" cy="1470025"/>
           </a:xfrm>
         </p:spPr>
         <p:txBody>
@@ -171,8 +187,8 @@
         </p:nvSpPr>
         <p:spPr>
           <a:xfrm>
-            <a:off x="1371600" y="3886200"/>
-            <a:ext cx="6400800" cy="1752600"/>
+            <a:off x="1828800" y="3886200"/>
+            <a:ext cx="8534400" cy="1752600"/>
           </a:xfrm>
         </p:spPr>
         <p:txBody>
@@ -295,7 +311,7 @@
           <a:p>
             <a:fld id="{36FCB419-7C73-4AB4-9860-2D9772FC8235}" type="datetimeFigureOut">
               <a:rPr lang="zh-TW" altLang="en-US" smtClean="0"/>
-              <a:t>2018/1/6</a:t>
+              <a:t>2020/6/27</a:t>
             </a:fld>
             <a:endParaRPr lang="zh-TW" altLang="en-US"/>
           </a:p>
@@ -460,7 +476,7 @@
           <a:p>
             <a:fld id="{36FCB419-7C73-4AB4-9860-2D9772FC8235}" type="datetimeFigureOut">
               <a:rPr lang="zh-TW" altLang="en-US" smtClean="0"/>
-              <a:t>2018/1/6</a:t>
+              <a:t>2020/6/27</a:t>
             </a:fld>
             <a:endParaRPr lang="zh-TW" altLang="en-US"/>
           </a:p>
@@ -545,8 +561,8 @@
         </p:nvSpPr>
         <p:spPr>
           <a:xfrm>
-            <a:off x="6629400" y="274638"/>
-            <a:ext cx="2057400" cy="5851525"/>
+            <a:off x="8839200" y="274639"/>
+            <a:ext cx="2743200" cy="5851525"/>
           </a:xfrm>
         </p:spPr>
         <p:txBody>
@@ -573,8 +589,8 @@
         </p:nvSpPr>
         <p:spPr>
           <a:xfrm>
-            <a:off x="457200" y="274638"/>
-            <a:ext cx="6019800" cy="5851525"/>
+            <a:off x="609600" y="274639"/>
+            <a:ext cx="8026400" cy="5851525"/>
           </a:xfrm>
         </p:spPr>
         <p:txBody>
@@ -635,7 +651,7 @@
           <a:p>
             <a:fld id="{36FCB419-7C73-4AB4-9860-2D9772FC8235}" type="datetimeFigureOut">
               <a:rPr lang="zh-TW" altLang="en-US" smtClean="0"/>
-              <a:t>2018/1/6</a:t>
+              <a:t>2020/6/27</a:t>
             </a:fld>
             <a:endParaRPr lang="zh-TW" altLang="en-US"/>
           </a:p>
@@ -800,7 +816,7 @@
           <a:p>
             <a:fld id="{36FCB419-7C73-4AB4-9860-2D9772FC8235}" type="datetimeFigureOut">
               <a:rPr lang="zh-TW" altLang="en-US" smtClean="0"/>
-              <a:t>2018/1/6</a:t>
+              <a:t>2020/6/27</a:t>
             </a:fld>
             <a:endParaRPr lang="zh-TW" altLang="en-US"/>
           </a:p>
@@ -885,8 +901,8 @@
         </p:nvSpPr>
         <p:spPr>
           <a:xfrm>
-            <a:off x="722313" y="4406900"/>
-            <a:ext cx="7772400" cy="1362075"/>
+            <a:off x="963084" y="4406901"/>
+            <a:ext cx="10363200" cy="1362075"/>
           </a:xfrm>
         </p:spPr>
         <p:txBody>
@@ -917,8 +933,8 @@
         </p:nvSpPr>
         <p:spPr>
           <a:xfrm>
-            <a:off x="722313" y="2906713"/>
-            <a:ext cx="7772400" cy="1500187"/>
+            <a:off x="963084" y="2906713"/>
+            <a:ext cx="10363200" cy="1500187"/>
           </a:xfrm>
         </p:spPr>
         <p:txBody>
@@ -1041,7 +1057,7 @@
           <a:p>
             <a:fld id="{36FCB419-7C73-4AB4-9860-2D9772FC8235}" type="datetimeFigureOut">
               <a:rPr lang="zh-TW" altLang="en-US" smtClean="0"/>
-              <a:t>2018/1/6</a:t>
+              <a:t>2020/6/27</a:t>
             </a:fld>
             <a:endParaRPr lang="zh-TW" altLang="en-US"/>
           </a:p>
@@ -1149,8 +1165,8 @@
         </p:nvSpPr>
         <p:spPr>
           <a:xfrm>
-            <a:off x="457200" y="1600200"/>
-            <a:ext cx="4038600" cy="4525963"/>
+            <a:off x="609600" y="1600201"/>
+            <a:ext cx="5384800" cy="4525963"/>
           </a:xfrm>
         </p:spPr>
         <p:txBody>
@@ -1234,8 +1250,8 @@
         </p:nvSpPr>
         <p:spPr>
           <a:xfrm>
-            <a:off x="4648200" y="1600200"/>
-            <a:ext cx="4038600" cy="4525963"/>
+            <a:off x="6197600" y="1600201"/>
+            <a:ext cx="5384800" cy="4525963"/>
           </a:xfrm>
         </p:spPr>
         <p:txBody>
@@ -1324,7 +1340,7 @@
           <a:p>
             <a:fld id="{36FCB419-7C73-4AB4-9860-2D9772FC8235}" type="datetimeFigureOut">
               <a:rPr lang="zh-TW" altLang="en-US" smtClean="0"/>
-              <a:t>2018/1/6</a:t>
+              <a:t>2020/6/27</a:t>
             </a:fld>
             <a:endParaRPr lang="zh-TW" altLang="en-US"/>
           </a:p>
@@ -1436,8 +1452,8 @@
         </p:nvSpPr>
         <p:spPr>
           <a:xfrm>
-            <a:off x="457200" y="1535113"/>
-            <a:ext cx="4040188" cy="639762"/>
+            <a:off x="609600" y="1535113"/>
+            <a:ext cx="5386917" cy="639762"/>
           </a:xfrm>
         </p:spPr>
         <p:txBody>
@@ -1501,8 +1517,8 @@
         </p:nvSpPr>
         <p:spPr>
           <a:xfrm>
-            <a:off x="457200" y="2174875"/>
-            <a:ext cx="4040188" cy="3951288"/>
+            <a:off x="609600" y="2174875"/>
+            <a:ext cx="5386917" cy="3951288"/>
           </a:xfrm>
         </p:spPr>
         <p:txBody>
@@ -1586,8 +1602,8 @@
         </p:nvSpPr>
         <p:spPr>
           <a:xfrm>
-            <a:off x="4645025" y="1535113"/>
-            <a:ext cx="4041775" cy="639762"/>
+            <a:off x="6193368" y="1535113"/>
+            <a:ext cx="5389033" cy="639762"/>
           </a:xfrm>
         </p:spPr>
         <p:txBody>
@@ -1651,8 +1667,8 @@
         </p:nvSpPr>
         <p:spPr>
           <a:xfrm>
-            <a:off x="4645025" y="2174875"/>
-            <a:ext cx="4041775" cy="3951288"/>
+            <a:off x="6193368" y="2174875"/>
+            <a:ext cx="5389033" cy="3951288"/>
           </a:xfrm>
         </p:spPr>
         <p:txBody>
@@ -1741,7 +1757,7 @@
           <a:p>
             <a:fld id="{36FCB419-7C73-4AB4-9860-2D9772FC8235}" type="datetimeFigureOut">
               <a:rPr lang="zh-TW" altLang="en-US" smtClean="0"/>
-              <a:t>2018/1/6</a:t>
+              <a:t>2020/6/27</a:t>
             </a:fld>
             <a:endParaRPr lang="zh-TW" altLang="en-US"/>
           </a:p>
@@ -1854,7 +1870,7 @@
           <a:p>
             <a:fld id="{36FCB419-7C73-4AB4-9860-2D9772FC8235}" type="datetimeFigureOut">
               <a:rPr lang="zh-TW" altLang="en-US" smtClean="0"/>
-              <a:t>2018/1/6</a:t>
+              <a:t>2020/6/27</a:t>
             </a:fld>
             <a:endParaRPr lang="zh-TW" altLang="en-US"/>
           </a:p>
@@ -1944,7 +1960,7 @@
           <a:p>
             <a:fld id="{36FCB419-7C73-4AB4-9860-2D9772FC8235}" type="datetimeFigureOut">
               <a:rPr lang="zh-TW" altLang="en-US" smtClean="0"/>
-              <a:t>2018/1/6</a:t>
+              <a:t>2020/6/27</a:t>
             </a:fld>
             <a:endParaRPr lang="zh-TW" altLang="en-US"/>
           </a:p>
@@ -2029,8 +2045,8 @@
         </p:nvSpPr>
         <p:spPr>
           <a:xfrm>
-            <a:off x="457200" y="273050"/>
-            <a:ext cx="3008313" cy="1162050"/>
+            <a:off x="609601" y="273050"/>
+            <a:ext cx="4011084" cy="1162050"/>
           </a:xfrm>
         </p:spPr>
         <p:txBody>
@@ -2061,8 +2077,8 @@
         </p:nvSpPr>
         <p:spPr>
           <a:xfrm>
-            <a:off x="3575050" y="273050"/>
-            <a:ext cx="5111750" cy="5853113"/>
+            <a:off x="4766733" y="273051"/>
+            <a:ext cx="6815667" cy="5853113"/>
           </a:xfrm>
         </p:spPr>
         <p:txBody>
@@ -2146,8 +2162,8 @@
         </p:nvSpPr>
         <p:spPr>
           <a:xfrm>
-            <a:off x="457200" y="1435100"/>
-            <a:ext cx="3008313" cy="4691063"/>
+            <a:off x="609601" y="1435101"/>
+            <a:ext cx="4011084" cy="4691063"/>
           </a:xfrm>
         </p:spPr>
         <p:txBody>
@@ -2216,7 +2232,7 @@
           <a:p>
             <a:fld id="{36FCB419-7C73-4AB4-9860-2D9772FC8235}" type="datetimeFigureOut">
               <a:rPr lang="zh-TW" altLang="en-US" smtClean="0"/>
-              <a:t>2018/1/6</a:t>
+              <a:t>2020/6/27</a:t>
             </a:fld>
             <a:endParaRPr lang="zh-TW" altLang="en-US"/>
           </a:p>
@@ -2301,8 +2317,8 @@
         </p:nvSpPr>
         <p:spPr>
           <a:xfrm>
-            <a:off x="1792288" y="4800600"/>
-            <a:ext cx="5486400" cy="566738"/>
+            <a:off x="2389717" y="4800600"/>
+            <a:ext cx="7315200" cy="566738"/>
           </a:xfrm>
         </p:spPr>
         <p:txBody>
@@ -2333,8 +2349,8 @@
         </p:nvSpPr>
         <p:spPr>
           <a:xfrm>
-            <a:off x="1792288" y="612775"/>
-            <a:ext cx="5486400" cy="4114800"/>
+            <a:off x="2389717" y="612775"/>
+            <a:ext cx="7315200" cy="4114800"/>
           </a:xfrm>
         </p:spPr>
         <p:txBody>
@@ -2398,8 +2414,8 @@
         </p:nvSpPr>
         <p:spPr>
           <a:xfrm>
-            <a:off x="1792288" y="5367338"/>
-            <a:ext cx="5486400" cy="804862"/>
+            <a:off x="2389717" y="5367338"/>
+            <a:ext cx="7315200" cy="804862"/>
           </a:xfrm>
         </p:spPr>
         <p:txBody>
@@ -2468,7 +2484,7 @@
           <a:p>
             <a:fld id="{36FCB419-7C73-4AB4-9860-2D9772FC8235}" type="datetimeFigureOut">
               <a:rPr lang="zh-TW" altLang="en-US" smtClean="0"/>
-              <a:t>2018/1/6</a:t>
+              <a:t>2020/6/27</a:t>
             </a:fld>
             <a:endParaRPr lang="zh-TW" altLang="en-US"/>
           </a:p>
@@ -2563,8 +2579,8 @@
         </p:nvSpPr>
         <p:spPr>
           <a:xfrm>
-            <a:off x="457200" y="274638"/>
-            <a:ext cx="8229600" cy="1143000"/>
+            <a:off x="609600" y="274638"/>
+            <a:ext cx="10972800" cy="1143000"/>
           </a:xfrm>
           <a:prstGeom prst="rect">
             <a:avLst/>
@@ -2596,8 +2612,8 @@
         </p:nvSpPr>
         <p:spPr>
           <a:xfrm>
-            <a:off x="457200" y="1600200"/>
-            <a:ext cx="8229600" cy="4525963"/>
+            <a:off x="609600" y="1600201"/>
+            <a:ext cx="10972800" cy="4525963"/>
           </a:xfrm>
           <a:prstGeom prst="rect">
             <a:avLst/>
@@ -2658,8 +2674,8 @@
         </p:nvSpPr>
         <p:spPr>
           <a:xfrm>
-            <a:off x="457200" y="6356350"/>
-            <a:ext cx="2133600" cy="365125"/>
+            <a:off x="609600" y="6356351"/>
+            <a:ext cx="2844800" cy="365125"/>
           </a:xfrm>
           <a:prstGeom prst="rect">
             <a:avLst/>
@@ -2681,7 +2697,7 @@
           <a:p>
             <a:fld id="{36FCB419-7C73-4AB4-9860-2D9772FC8235}" type="datetimeFigureOut">
               <a:rPr lang="zh-TW" altLang="en-US" smtClean="0"/>
-              <a:t>2018/1/6</a:t>
+              <a:t>2020/6/27</a:t>
             </a:fld>
             <a:endParaRPr lang="zh-TW" altLang="en-US"/>
           </a:p>
@@ -2699,8 +2715,8 @@
         </p:nvSpPr>
         <p:spPr>
           <a:xfrm>
-            <a:off x="3124200" y="6356350"/>
-            <a:ext cx="2895600" cy="365125"/>
+            <a:off x="4165600" y="6356351"/>
+            <a:ext cx="3860800" cy="365125"/>
           </a:xfrm>
           <a:prstGeom prst="rect">
             <a:avLst/>
@@ -2736,8 +2752,8 @@
         </p:nvSpPr>
         <p:spPr>
           <a:xfrm>
-            <a:off x="6553200" y="6356350"/>
-            <a:ext cx="2133600" cy="365125"/>
+            <a:off x="8737600" y="6356351"/>
+            <a:ext cx="2844800" cy="365125"/>
           </a:xfrm>
           <a:prstGeom prst="rect">
             <a:avLst/>
@@ -3063,11 +3079,13 @@
         </p:nvSpPr>
         <p:spPr/>
         <p:txBody>
-          <a:bodyPr/>
-          <a:lstStyle/>
-          <a:p>
-            <a:r>
-              <a:rPr lang="zh-CN" altLang="en-US" b="1" dirty="0" smtClean="0">
+          <a:bodyPr>
+            <a:normAutofit/>
+          </a:bodyPr>
+          <a:lstStyle/>
+          <a:p>
+            <a:r>
+              <a:rPr lang="zh-CN" altLang="en-US" sz="4800" b="1" dirty="0" smtClean="0">
                 <a:solidFill>
                   <a:srgbClr val="000066"/>
                 </a:solidFill>
@@ -3076,7 +3094,7 @@
               </a:rPr>
               <a:t>基督化家庭</a:t>
             </a:r>
-            <a:endParaRPr lang="zh-TW" altLang="en-US" b="1" dirty="0">
+            <a:endParaRPr lang="zh-TW" altLang="en-US" sz="4800" b="1" dirty="0">
               <a:solidFill>
                 <a:srgbClr val="000066"/>
               </a:solidFill>
@@ -3107,7 +3125,7 @@
               <a:buNone/>
             </a:pPr>
             <a:r>
-              <a:rPr lang="zh-CN" altLang="en-US" sz="5400" b="1" dirty="0" smtClean="0">
+              <a:rPr lang="zh-CN" altLang="en-US" sz="5400" b="1" dirty="0">
                 <a:solidFill>
                   <a:srgbClr val="000066"/>
                 </a:solidFill>
@@ -3116,7 +3134,7 @@
               </a:rPr>
               <a:t>基督門徒家庭要和睦</a:t>
             </a:r>
-            <a:endParaRPr lang="en-US" altLang="zh-CN" sz="5400" b="1" dirty="0" smtClean="0">
+            <a:endParaRPr lang="en-US" altLang="zh-CN" sz="5400" b="1" dirty="0">
               <a:solidFill>
                 <a:srgbClr val="000066"/>
               </a:solidFill>
@@ -3129,7 +3147,7 @@
               <a:buNone/>
             </a:pPr>
             <a:r>
-              <a:rPr lang="zh-CN" altLang="en-US" sz="5400" b="1" dirty="0" smtClean="0">
+              <a:rPr lang="zh-CN" altLang="en-US" sz="5400" b="1" dirty="0">
                 <a:solidFill>
                   <a:srgbClr val="000066"/>
                 </a:solidFill>
@@ -3138,7 +3156,7 @@
               </a:rPr>
               <a:t>父慈子孝夫妻無反目</a:t>
             </a:r>
-            <a:endParaRPr lang="en-US" altLang="zh-CN" sz="5400" b="1" dirty="0" smtClean="0">
+            <a:endParaRPr lang="en-US" altLang="zh-CN" sz="5400" b="1" dirty="0">
               <a:solidFill>
                 <a:srgbClr val="000066"/>
               </a:solidFill>
@@ -3151,7 +3169,7 @@
               <a:buNone/>
             </a:pPr>
             <a:r>
-              <a:rPr lang="zh-CN" altLang="en-US" sz="5400" b="1" dirty="0" smtClean="0">
+              <a:rPr lang="zh-CN" altLang="en-US" sz="5400" b="1" dirty="0">
                 <a:solidFill>
                   <a:srgbClr val="000066"/>
                 </a:solidFill>
@@ -3160,7 +3178,7 @@
               </a:rPr>
               <a:t>兄友弟恭  妯娌情誼篤</a:t>
             </a:r>
-            <a:endParaRPr lang="en-US" altLang="zh-CN" sz="5400" b="1" dirty="0" smtClean="0">
+            <a:endParaRPr lang="en-US" altLang="zh-CN" sz="5400" b="1" dirty="0">
               <a:solidFill>
                 <a:srgbClr val="000066"/>
               </a:solidFill>
@@ -3173,7 +3191,7 @@
               <a:buNone/>
             </a:pPr>
             <a:r>
-              <a:rPr lang="zh-CN" altLang="en-US" sz="5400" b="1" dirty="0" smtClean="0">
+              <a:rPr lang="zh-CN" altLang="en-US" sz="5400" b="1" dirty="0">
                 <a:solidFill>
                   <a:srgbClr val="000066"/>
                 </a:solidFill>
@@ -3188,6 +3206,44 @@
               </a:solidFill>
               <a:latin typeface="微軟正黑體" pitchFamily="34" charset="-120"/>
               <a:ea typeface="微軟正黑體" pitchFamily="34" charset="-120"/>
+            </a:endParaRPr>
+          </a:p>
+        </p:txBody>
+      </p:sp>
+      <p:sp>
+        <p:nvSpPr>
+          <p:cNvPr id="2" name="TextBox 1"/>
+          <p:cNvSpPr txBox="1"/>
+          <p:nvPr/>
+        </p:nvSpPr>
+        <p:spPr>
+          <a:xfrm>
+            <a:off x="911424" y="1700808"/>
+            <a:ext cx="1008112" cy="830997"/>
+          </a:xfrm>
+          <a:prstGeom prst="rect">
+            <a:avLst/>
+          </a:prstGeom>
+          <a:noFill/>
+        </p:spPr>
+        <p:txBody>
+          <a:bodyPr wrap="square" rtlCol="0">
+            <a:spAutoFit/>
+          </a:bodyPr>
+          <a:lstStyle/>
+          <a:p>
+            <a:r>
+              <a:rPr lang="en-US" sz="4800" b="1" dirty="0" smtClean="0">
+                <a:solidFill>
+                  <a:srgbClr val="000066"/>
+                </a:solidFill>
+              </a:rPr>
+              <a:t>1.</a:t>
+            </a:r>
+            <a:endParaRPr lang="vi-VN" sz="4800" b="1" dirty="0">
+              <a:solidFill>
+                <a:srgbClr val="000066"/>
+              </a:solidFill>
             </a:endParaRPr>
           </a:p>
         </p:txBody>
@@ -3229,11 +3285,13 @@
         </p:nvSpPr>
         <p:spPr/>
         <p:txBody>
-          <a:bodyPr/>
-          <a:lstStyle/>
-          <a:p>
-            <a:r>
-              <a:rPr lang="zh-CN" altLang="en-US" b="1" dirty="0" smtClean="0">
+          <a:bodyPr>
+            <a:normAutofit/>
+          </a:bodyPr>
+          <a:lstStyle/>
+          <a:p>
+            <a:r>
+              <a:rPr lang="zh-CN" altLang="en-US" sz="4800" b="1" dirty="0">
                 <a:solidFill>
                   <a:srgbClr val="000066"/>
                 </a:solidFill>
@@ -3242,7 +3300,7 @@
               </a:rPr>
               <a:t>基督化家庭</a:t>
             </a:r>
-            <a:endParaRPr lang="zh-TW" altLang="en-US" b="1" dirty="0">
+            <a:endParaRPr lang="zh-TW" altLang="en-US" sz="4800" b="1" dirty="0">
               <a:solidFill>
                 <a:srgbClr val="000066"/>
               </a:solidFill>
@@ -3273,26 +3331,16 @@
               <a:buNone/>
             </a:pPr>
             <a:r>
-              <a:rPr lang="zh-CN" altLang="en-US" sz="5400" b="1" dirty="0" smtClean="0">
+              <a:rPr lang="zh-CN" altLang="en-US" sz="5400" b="1" dirty="0">
                 <a:solidFill>
                   <a:srgbClr val="000066"/>
                 </a:solidFill>
                 <a:latin typeface="微軟正黑體" pitchFamily="34" charset="-120"/>
                 <a:ea typeface="微軟正黑體" pitchFamily="34" charset="-120"/>
               </a:rPr>
-              <a:t>家庭要和睦  家庭</a:t>
-            </a:r>
-            <a:r>
-              <a:rPr lang="zh-CN" altLang="en-US" sz="5400" b="1" dirty="0" smtClean="0">
-                <a:solidFill>
-                  <a:srgbClr val="000066"/>
-                </a:solidFill>
-                <a:latin typeface="微軟正黑體" pitchFamily="34" charset="-120"/>
-                <a:ea typeface="微軟正黑體" pitchFamily="34" charset="-120"/>
-              </a:rPr>
-              <a:t>要和睦</a:t>
-            </a:r>
-            <a:endParaRPr lang="zh-TW" altLang="en-US" sz="5400" b="1" dirty="0" smtClean="0">
+              <a:t>家庭要和睦  家庭要和睦</a:t>
+            </a:r>
+            <a:endParaRPr lang="zh-TW" altLang="en-US" sz="5400" b="1" dirty="0">
               <a:solidFill>
                 <a:srgbClr val="000066"/>
               </a:solidFill>
@@ -3305,7 +3353,7 @@
               <a:buNone/>
             </a:pPr>
             <a:r>
-              <a:rPr lang="zh-CN" altLang="en-US" sz="5400" b="1" dirty="0" smtClean="0">
+              <a:rPr lang="zh-CN" altLang="en-US" sz="5400" b="1" dirty="0">
                 <a:solidFill>
                   <a:srgbClr val="000066"/>
                 </a:solidFill>
@@ -3314,7 +3362,7 @@
               </a:rPr>
               <a:t>合家相愛合家有真福</a:t>
             </a:r>
-            <a:endParaRPr lang="en-US" altLang="zh-CN" sz="5400" b="1" dirty="0" smtClean="0">
+            <a:endParaRPr lang="en-US" altLang="zh-CN" sz="5400" b="1" dirty="0">
               <a:solidFill>
                 <a:srgbClr val="000066"/>
               </a:solidFill>
@@ -3327,31 +3375,59 @@
               <a:buNone/>
             </a:pPr>
             <a:r>
-              <a:rPr lang="zh-CN" altLang="en-US" sz="5400" b="1" dirty="0" smtClean="0">
+              <a:rPr lang="zh-CN" altLang="en-US" sz="5400" b="1" dirty="0">
                 <a:solidFill>
                   <a:srgbClr val="000066"/>
                 </a:solidFill>
                 <a:latin typeface="微軟正黑體" pitchFamily="34" charset="-120"/>
                 <a:ea typeface="微軟正黑體" pitchFamily="34" charset="-120"/>
               </a:rPr>
-              <a:t>家庭要</a:t>
-            </a:r>
-            <a:r>
-              <a:rPr lang="zh-CN" altLang="en-US" sz="5400" b="1" dirty="0" smtClean="0">
-                <a:solidFill>
-                  <a:srgbClr val="000066"/>
-                </a:solidFill>
-                <a:latin typeface="微軟正黑體" pitchFamily="34" charset="-120"/>
-                <a:ea typeface="微軟正黑體" pitchFamily="34" charset="-120"/>
-              </a:rPr>
-              <a:t>和睦</a:t>
-            </a:r>
-            <a:endParaRPr lang="zh-TW" altLang="en-US" sz="5400" b="1" dirty="0" smtClean="0">
+              <a:t>家庭要和睦</a:t>
+            </a:r>
+            <a:endParaRPr lang="zh-TW" altLang="en-US" sz="5400" b="1" dirty="0">
               <a:solidFill>
                 <a:srgbClr val="000066"/>
               </a:solidFill>
               <a:latin typeface="微軟正黑體" pitchFamily="34" charset="-120"/>
               <a:ea typeface="微軟正黑體" pitchFamily="34" charset="-120"/>
+            </a:endParaRPr>
+          </a:p>
+        </p:txBody>
+      </p:sp>
+      <p:sp>
+        <p:nvSpPr>
+          <p:cNvPr id="6" name="TextBox 5"/>
+          <p:cNvSpPr txBox="1"/>
+          <p:nvPr/>
+        </p:nvSpPr>
+        <p:spPr>
+          <a:xfrm>
+            <a:off x="911424" y="1700808"/>
+            <a:ext cx="1008112" cy="830997"/>
+          </a:xfrm>
+          <a:prstGeom prst="rect">
+            <a:avLst/>
+          </a:prstGeom>
+          <a:noFill/>
+        </p:spPr>
+        <p:txBody>
+          <a:bodyPr wrap="square" rtlCol="0">
+            <a:spAutoFit/>
+          </a:bodyPr>
+          <a:lstStyle/>
+          <a:p>
+            <a:r>
+              <a:rPr lang="en-US" sz="4800" b="1" dirty="0" smtClean="0">
+                <a:solidFill>
+                  <a:srgbClr val="000066"/>
+                </a:solidFill>
+              </a:rPr>
+              <a:t>1.</a:t>
+            </a:r>
+            <a:endParaRPr lang="vi-VN" sz="4800" b="1" dirty="0">
+              <a:solidFill>
+                <a:srgbClr val="000066"/>
+              </a:solidFill>
             </a:endParaRPr>
           </a:p>
         </p:txBody>
@@ -3393,11 +3469,13 @@
         </p:nvSpPr>
         <p:spPr/>
         <p:txBody>
-          <a:bodyPr/>
-          <a:lstStyle/>
-          <a:p>
-            <a:r>
-              <a:rPr lang="zh-CN" altLang="en-US" b="1" dirty="0" smtClean="0">
+          <a:bodyPr>
+            <a:normAutofit/>
+          </a:bodyPr>
+          <a:lstStyle/>
+          <a:p>
+            <a:r>
+              <a:rPr lang="zh-CN" altLang="en-US" sz="4800" b="1" dirty="0">
                 <a:solidFill>
                   <a:srgbClr val="000066"/>
                 </a:solidFill>
@@ -3406,7 +3484,7 @@
               </a:rPr>
               <a:t>基督化家庭</a:t>
             </a:r>
-            <a:endParaRPr lang="zh-TW" altLang="en-US" b="1" dirty="0">
+            <a:endParaRPr lang="zh-TW" altLang="en-US" sz="4800" b="1" dirty="0">
               <a:solidFill>
                 <a:srgbClr val="000066"/>
               </a:solidFill>
@@ -3437,7 +3515,7 @@
               <a:buNone/>
             </a:pPr>
             <a:r>
-              <a:rPr lang="zh-CN" altLang="en-US" sz="5400" b="1" dirty="0" smtClean="0">
+              <a:rPr lang="zh-CN" altLang="en-US" sz="5400" b="1" dirty="0">
                 <a:solidFill>
                   <a:srgbClr val="000066"/>
                 </a:solidFill>
@@ -3446,7 +3524,7 @@
               </a:rPr>
               <a:t>基督門徒家庭要和睦</a:t>
             </a:r>
-            <a:endParaRPr lang="en-US" altLang="zh-CN" sz="5400" b="1" dirty="0" smtClean="0">
+            <a:endParaRPr lang="en-US" altLang="zh-CN" sz="5400" b="1" dirty="0">
               <a:solidFill>
                 <a:srgbClr val="000066"/>
               </a:solidFill>
@@ -3459,26 +3537,16 @@
               <a:buNone/>
             </a:pPr>
             <a:r>
-              <a:rPr lang="zh-CN" altLang="en-US" sz="5400" b="1" dirty="0" smtClean="0">
+              <a:rPr lang="zh-CN" altLang="en-US" sz="5400" b="1" dirty="0">
                 <a:solidFill>
                   <a:srgbClr val="000066"/>
                 </a:solidFill>
                 <a:latin typeface="微軟正黑體" pitchFamily="34" charset="-120"/>
                 <a:ea typeface="微軟正黑體" pitchFamily="34" charset="-120"/>
               </a:rPr>
-              <a:t>同</a:t>
-            </a:r>
-            <a:r>
-              <a:rPr lang="zh-CN" altLang="en-US" sz="5400" b="1" dirty="0" smtClean="0">
-                <a:solidFill>
-                  <a:srgbClr val="000066"/>
-                </a:solidFill>
-                <a:latin typeface="微軟正黑體" pitchFamily="34" charset="-120"/>
-                <a:ea typeface="微軟正黑體" pitchFamily="34" charset="-120"/>
-              </a:rPr>
-              <a:t>心事主同心走天路</a:t>
-            </a:r>
-            <a:endParaRPr lang="en-US" altLang="zh-CN" sz="5400" b="1" dirty="0" smtClean="0">
+              <a:t>同心事主同心走天路</a:t>
+            </a:r>
+            <a:endParaRPr lang="en-US" altLang="zh-CN" sz="5400" b="1" dirty="0">
               <a:solidFill>
                 <a:srgbClr val="000066"/>
               </a:solidFill>
@@ -3491,7 +3559,7 @@
               <a:buNone/>
             </a:pPr>
             <a:r>
-              <a:rPr lang="zh-CN" altLang="en-US" sz="5400" b="1" dirty="0" smtClean="0">
+              <a:rPr lang="zh-CN" altLang="en-US" sz="5400" b="1" dirty="0">
                 <a:solidFill>
                   <a:srgbClr val="000066"/>
                 </a:solidFill>
@@ -3500,7 +3568,7 @@
               </a:rPr>
               <a:t>詩歌同唱聖經也同讀</a:t>
             </a:r>
-            <a:endParaRPr lang="en-US" altLang="zh-CN" sz="5400" b="1" dirty="0" smtClean="0">
+            <a:endParaRPr lang="en-US" altLang="zh-CN" sz="5400" b="1" dirty="0">
               <a:solidFill>
                 <a:srgbClr val="000066"/>
               </a:solidFill>
@@ -3513,7 +3581,7 @@
               <a:buNone/>
             </a:pPr>
             <a:r>
-              <a:rPr lang="zh-CN" altLang="en-US" sz="5400" b="1" dirty="0" smtClean="0">
+              <a:rPr lang="zh-CN" altLang="en-US" sz="5400" b="1" dirty="0">
                 <a:solidFill>
                   <a:srgbClr val="000066"/>
                 </a:solidFill>
@@ -3528,6 +3596,52 @@
               </a:solidFill>
               <a:latin typeface="微軟正黑體" pitchFamily="34" charset="-120"/>
               <a:ea typeface="微軟正黑體" pitchFamily="34" charset="-120"/>
+            </a:endParaRPr>
+          </a:p>
+        </p:txBody>
+      </p:sp>
+      <p:sp>
+        <p:nvSpPr>
+          <p:cNvPr id="6" name="TextBox 5"/>
+          <p:cNvSpPr txBox="1"/>
+          <p:nvPr/>
+        </p:nvSpPr>
+        <p:spPr>
+          <a:xfrm>
+            <a:off x="911424" y="1700808"/>
+            <a:ext cx="1008112" cy="830997"/>
+          </a:xfrm>
+          <a:prstGeom prst="rect">
+            <a:avLst/>
+          </a:prstGeom>
+          <a:noFill/>
+        </p:spPr>
+        <p:txBody>
+          <a:bodyPr wrap="square" rtlCol="0">
+            <a:spAutoFit/>
+          </a:bodyPr>
+          <a:lstStyle/>
+          <a:p>
+            <a:r>
+              <a:rPr lang="en-US" sz="4800" b="1" dirty="0">
+                <a:solidFill>
+                  <a:srgbClr val="000066"/>
+                </a:solidFill>
+              </a:rPr>
+              <a:t>2</a:t>
+            </a:r>
+            <a:r>
+              <a:rPr lang="en-US" sz="4800" b="1" dirty="0" smtClean="0">
+                <a:solidFill>
+                  <a:srgbClr val="000066"/>
+                </a:solidFill>
+              </a:rPr>
+              <a:t>.</a:t>
+            </a:r>
+            <a:endParaRPr lang="vi-VN" sz="4800" b="1" dirty="0">
+              <a:solidFill>
+                <a:srgbClr val="000066"/>
+              </a:solidFill>
             </a:endParaRPr>
           </a:p>
         </p:txBody>
@@ -3569,11 +3683,13 @@
         </p:nvSpPr>
         <p:spPr/>
         <p:txBody>
-          <a:bodyPr/>
-          <a:lstStyle/>
-          <a:p>
-            <a:r>
-              <a:rPr lang="zh-CN" altLang="en-US" b="1" dirty="0" smtClean="0">
+          <a:bodyPr>
+            <a:normAutofit/>
+          </a:bodyPr>
+          <a:lstStyle/>
+          <a:p>
+            <a:r>
+              <a:rPr lang="zh-CN" altLang="en-US" sz="4800" b="1" dirty="0">
                 <a:solidFill>
                   <a:srgbClr val="000066"/>
                 </a:solidFill>
@@ -3582,7 +3698,7 @@
               </a:rPr>
               <a:t>基督化家庭</a:t>
             </a:r>
-            <a:endParaRPr lang="zh-TW" altLang="en-US" b="1" dirty="0">
+            <a:endParaRPr lang="zh-TW" altLang="en-US" sz="4800" b="1" dirty="0">
               <a:solidFill>
                 <a:srgbClr val="000066"/>
               </a:solidFill>
@@ -3613,36 +3729,16 @@
               <a:buNone/>
             </a:pPr>
             <a:r>
-              <a:rPr lang="zh-CN" altLang="en-US" sz="5400" b="1" dirty="0" smtClean="0">
+              <a:rPr lang="zh-CN" altLang="en-US" sz="5400" b="1" dirty="0">
                 <a:solidFill>
                   <a:srgbClr val="000066"/>
                 </a:solidFill>
                 <a:latin typeface="微軟正黑體" pitchFamily="34" charset="-120"/>
                 <a:ea typeface="微軟正黑體" pitchFamily="34" charset="-120"/>
               </a:rPr>
-              <a:t>家庭要和睦  家庭</a:t>
-            </a:r>
-            <a:r>
-              <a:rPr lang="zh-CN" altLang="en-US" sz="5400" b="1" dirty="0" smtClean="0">
-                <a:solidFill>
-                  <a:srgbClr val="000066"/>
-                </a:solidFill>
-                <a:latin typeface="微軟正黑體" pitchFamily="34" charset="-120"/>
-                <a:ea typeface="微軟正黑體" pitchFamily="34" charset="-120"/>
-              </a:rPr>
-              <a:t>要</a:t>
-            </a:r>
-            <a:r>
-              <a:rPr lang="zh-CN" altLang="en-US" sz="5400" b="1" dirty="0" smtClean="0">
-                <a:solidFill>
-                  <a:srgbClr val="000066"/>
-                </a:solidFill>
-                <a:latin typeface="微軟正黑體" pitchFamily="34" charset="-120"/>
-                <a:ea typeface="微軟正黑體" pitchFamily="34" charset="-120"/>
-              </a:rPr>
-              <a:t>和睦</a:t>
-            </a:r>
-            <a:endParaRPr lang="en-US" altLang="zh-CN" sz="5400" b="1" dirty="0" smtClean="0">
+              <a:t>家庭要和睦  家庭要和睦</a:t>
+            </a:r>
+            <a:endParaRPr lang="en-US" altLang="zh-CN" sz="5400" b="1" dirty="0">
               <a:solidFill>
                 <a:srgbClr val="000066"/>
               </a:solidFill>
@@ -3655,7 +3751,7 @@
               <a:buNone/>
             </a:pPr>
             <a:r>
-              <a:rPr lang="zh-CN" altLang="en-US" sz="5400" b="1" dirty="0" smtClean="0">
+              <a:rPr lang="zh-CN" altLang="en-US" sz="5400" b="1" dirty="0">
                 <a:solidFill>
                   <a:srgbClr val="000066"/>
                 </a:solidFill>
@@ -3664,7 +3760,7 @@
               </a:rPr>
               <a:t>合家禮拜禱告天上父</a:t>
             </a:r>
-            <a:endParaRPr lang="en-US" altLang="zh-CN" sz="5400" b="1" dirty="0" smtClean="0">
+            <a:endParaRPr lang="en-US" altLang="zh-CN" sz="5400" b="1" dirty="0">
               <a:solidFill>
                 <a:srgbClr val="000066"/>
               </a:solidFill>
@@ -3677,7 +3773,7 @@
               <a:buNone/>
             </a:pPr>
             <a:r>
-              <a:rPr lang="zh-CN" altLang="en-US" sz="5400" b="1" dirty="0" smtClean="0">
+              <a:rPr lang="zh-CN" altLang="en-US" sz="5400" b="1" dirty="0">
                 <a:solidFill>
                   <a:srgbClr val="000066"/>
                 </a:solidFill>
@@ -3686,12 +3782,58 @@
               </a:rPr>
               <a:t>家庭要和睦</a:t>
             </a:r>
-            <a:endParaRPr lang="zh-TW" altLang="en-US" sz="5400" b="1" dirty="0" smtClean="0">
+            <a:endParaRPr lang="zh-TW" altLang="en-US" sz="5400" b="1" dirty="0">
               <a:solidFill>
                 <a:srgbClr val="000066"/>
               </a:solidFill>
               <a:latin typeface="微軟正黑體" pitchFamily="34" charset="-120"/>
               <a:ea typeface="微軟正黑體" pitchFamily="34" charset="-120"/>
+            </a:endParaRPr>
+          </a:p>
+        </p:txBody>
+      </p:sp>
+      <p:sp>
+        <p:nvSpPr>
+          <p:cNvPr id="6" name="TextBox 5"/>
+          <p:cNvSpPr txBox="1"/>
+          <p:nvPr/>
+        </p:nvSpPr>
+        <p:spPr>
+          <a:xfrm>
+            <a:off x="911424" y="1700808"/>
+            <a:ext cx="1008112" cy="830997"/>
+          </a:xfrm>
+          <a:prstGeom prst="rect">
+            <a:avLst/>
+          </a:prstGeom>
+          <a:noFill/>
+        </p:spPr>
+        <p:txBody>
+          <a:bodyPr wrap="square" rtlCol="0">
+            <a:spAutoFit/>
+          </a:bodyPr>
+          <a:lstStyle/>
+          <a:p>
+            <a:r>
+              <a:rPr lang="en-US" sz="4800" b="1" dirty="0">
+                <a:solidFill>
+                  <a:srgbClr val="000066"/>
+                </a:solidFill>
+              </a:rPr>
+              <a:t>2</a:t>
+            </a:r>
+            <a:r>
+              <a:rPr lang="en-US" sz="4800" b="1" dirty="0" smtClean="0">
+                <a:solidFill>
+                  <a:srgbClr val="000066"/>
+                </a:solidFill>
+              </a:rPr>
+              <a:t>.</a:t>
+            </a:r>
+            <a:endParaRPr lang="vi-VN" sz="4800" b="1" dirty="0">
+              <a:solidFill>
+                <a:srgbClr val="000066"/>
+              </a:solidFill>
             </a:endParaRPr>
           </a:p>
         </p:txBody>
@@ -3733,11 +3875,13 @@
         </p:nvSpPr>
         <p:spPr/>
         <p:txBody>
-          <a:bodyPr/>
-          <a:lstStyle/>
-          <a:p>
-            <a:r>
-              <a:rPr lang="zh-CN" altLang="en-US" b="1" dirty="0" smtClean="0">
+          <a:bodyPr>
+            <a:normAutofit/>
+          </a:bodyPr>
+          <a:lstStyle/>
+          <a:p>
+            <a:r>
+              <a:rPr lang="zh-CN" altLang="en-US" sz="4800" b="1" dirty="0">
                 <a:solidFill>
                   <a:srgbClr val="000066"/>
                 </a:solidFill>
@@ -3746,7 +3890,7 @@
               </a:rPr>
               <a:t>基督化家庭</a:t>
             </a:r>
-            <a:endParaRPr lang="zh-TW" altLang="en-US" b="1" dirty="0">
+            <a:endParaRPr lang="zh-TW" altLang="en-US" sz="4800" b="1" dirty="0">
               <a:solidFill>
                 <a:srgbClr val="000066"/>
               </a:solidFill>
@@ -3777,7 +3921,7 @@
               <a:buNone/>
             </a:pPr>
             <a:r>
-              <a:rPr lang="zh-CN" altLang="en-US" sz="5400" b="1" dirty="0" smtClean="0">
+              <a:rPr lang="zh-CN" altLang="en-US" sz="5400" b="1" dirty="0">
                 <a:solidFill>
                   <a:srgbClr val="000066"/>
                 </a:solidFill>
@@ -3786,7 +3930,7 @@
               </a:rPr>
               <a:t>基督門徒家庭要和睦</a:t>
             </a:r>
-            <a:endParaRPr lang="en-US" altLang="zh-CN" sz="5400" b="1" dirty="0" smtClean="0">
+            <a:endParaRPr lang="en-US" altLang="zh-CN" sz="5400" b="1" dirty="0">
               <a:solidFill>
                 <a:srgbClr val="000066"/>
               </a:solidFill>
@@ -3799,7 +3943,7 @@
               <a:buNone/>
             </a:pPr>
             <a:r>
-              <a:rPr lang="zh-CN" altLang="en-US" sz="5400" b="1" dirty="0" smtClean="0">
+              <a:rPr lang="zh-CN" altLang="en-US" sz="5400" b="1" dirty="0">
                 <a:solidFill>
                   <a:srgbClr val="000066"/>
                 </a:solidFill>
@@ -3808,7 +3952,7 @@
               </a:rPr>
               <a:t>個個歡喜個個心滿足</a:t>
             </a:r>
-            <a:endParaRPr lang="en-US" altLang="zh-CN" sz="5400" b="1" dirty="0" smtClean="0">
+            <a:endParaRPr lang="en-US" altLang="zh-CN" sz="5400" b="1" dirty="0">
               <a:solidFill>
                 <a:srgbClr val="000066"/>
               </a:solidFill>
@@ -3821,7 +3965,7 @@
               <a:buNone/>
             </a:pPr>
             <a:r>
-              <a:rPr lang="zh-CN" altLang="en-US" sz="5400" b="1" dirty="0" smtClean="0">
+              <a:rPr lang="zh-CN" altLang="en-US" sz="5400" b="1" dirty="0">
                 <a:solidFill>
                   <a:srgbClr val="000066"/>
                 </a:solidFill>
@@ -3830,7 +3974,7 @@
               </a:rPr>
               <a:t>和睦同居忍耐第一步</a:t>
             </a:r>
-            <a:endParaRPr lang="en-US" altLang="zh-CN" sz="5400" b="1" dirty="0" smtClean="0">
+            <a:endParaRPr lang="en-US" altLang="zh-CN" sz="5400" b="1" dirty="0">
               <a:solidFill>
                 <a:srgbClr val="000066"/>
               </a:solidFill>
@@ -3843,7 +3987,7 @@
               <a:buNone/>
             </a:pPr>
             <a:r>
-              <a:rPr lang="zh-CN" altLang="en-US" sz="5400" b="1" dirty="0" smtClean="0">
+              <a:rPr lang="zh-CN" altLang="en-US" sz="5400" b="1" dirty="0">
                 <a:solidFill>
                   <a:srgbClr val="000066"/>
                 </a:solidFill>
@@ -3852,12 +3996,58 @@
               </a:rPr>
               <a:t>家庭要和睦</a:t>
             </a:r>
-            <a:endParaRPr lang="zh-TW" altLang="en-US" sz="5400" b="1" dirty="0" smtClean="0">
+            <a:endParaRPr lang="zh-TW" altLang="en-US" sz="5400" b="1" dirty="0">
               <a:solidFill>
                 <a:srgbClr val="000066"/>
               </a:solidFill>
               <a:latin typeface="微軟正黑體" pitchFamily="34" charset="-120"/>
               <a:ea typeface="微軟正黑體" pitchFamily="34" charset="-120"/>
+            </a:endParaRPr>
+          </a:p>
+        </p:txBody>
+      </p:sp>
+      <p:sp>
+        <p:nvSpPr>
+          <p:cNvPr id="6" name="TextBox 5"/>
+          <p:cNvSpPr txBox="1"/>
+          <p:nvPr/>
+        </p:nvSpPr>
+        <p:spPr>
+          <a:xfrm>
+            <a:off x="911424" y="1700808"/>
+            <a:ext cx="1008112" cy="830997"/>
+          </a:xfrm>
+          <a:prstGeom prst="rect">
+            <a:avLst/>
+          </a:prstGeom>
+          <a:noFill/>
+        </p:spPr>
+        <p:txBody>
+          <a:bodyPr wrap="square" rtlCol="0">
+            <a:spAutoFit/>
+          </a:bodyPr>
+          <a:lstStyle/>
+          <a:p>
+            <a:r>
+              <a:rPr lang="en-US" sz="4800" b="1" dirty="0">
+                <a:solidFill>
+                  <a:srgbClr val="000066"/>
+                </a:solidFill>
+              </a:rPr>
+              <a:t>3</a:t>
+            </a:r>
+            <a:r>
+              <a:rPr lang="en-US" sz="4800" b="1" dirty="0" smtClean="0">
+                <a:solidFill>
+                  <a:srgbClr val="000066"/>
+                </a:solidFill>
+              </a:rPr>
+              <a:t>.</a:t>
+            </a:r>
+            <a:endParaRPr lang="vi-VN" sz="4800" b="1" dirty="0">
+              <a:solidFill>
+                <a:srgbClr val="000066"/>
+              </a:solidFill>
             </a:endParaRPr>
           </a:p>
         </p:txBody>
@@ -3899,11 +4089,13 @@
         </p:nvSpPr>
         <p:spPr/>
         <p:txBody>
-          <a:bodyPr/>
-          <a:lstStyle/>
-          <a:p>
-            <a:r>
-              <a:rPr lang="zh-CN" altLang="en-US" b="1" dirty="0" smtClean="0">
+          <a:bodyPr>
+            <a:normAutofit/>
+          </a:bodyPr>
+          <a:lstStyle/>
+          <a:p>
+            <a:r>
+              <a:rPr lang="zh-CN" altLang="en-US" sz="4800" b="1" dirty="0">
                 <a:solidFill>
                   <a:srgbClr val="000066"/>
                 </a:solidFill>
@@ -3912,7 +4104,7 @@
               </a:rPr>
               <a:t>基督化家庭</a:t>
             </a:r>
-            <a:endParaRPr lang="zh-TW" altLang="en-US" b="1" dirty="0">
+            <a:endParaRPr lang="zh-TW" altLang="en-US" sz="4800" b="1" dirty="0">
               <a:solidFill>
                 <a:srgbClr val="000066"/>
               </a:solidFill>
@@ -3943,36 +4135,16 @@
               <a:buNone/>
             </a:pPr>
             <a:r>
-              <a:rPr lang="zh-CN" altLang="en-US" sz="5400" b="1" dirty="0" smtClean="0">
+              <a:rPr lang="zh-CN" altLang="en-US" sz="5400" b="1" dirty="0">
                 <a:solidFill>
                   <a:srgbClr val="000066"/>
                 </a:solidFill>
                 <a:latin typeface="微軟正黑體" pitchFamily="34" charset="-120"/>
                 <a:ea typeface="微軟正黑體" pitchFamily="34" charset="-120"/>
               </a:rPr>
-              <a:t>家庭要和睦  家庭</a:t>
-            </a:r>
-            <a:r>
-              <a:rPr lang="zh-CN" altLang="en-US" sz="5400" b="1" dirty="0" smtClean="0">
-                <a:solidFill>
-                  <a:srgbClr val="000066"/>
-                </a:solidFill>
-                <a:latin typeface="微軟正黑體" pitchFamily="34" charset="-120"/>
-                <a:ea typeface="微軟正黑體" pitchFamily="34" charset="-120"/>
-              </a:rPr>
-              <a:t>要</a:t>
-            </a:r>
-            <a:r>
-              <a:rPr lang="zh-CN" altLang="en-US" sz="5400" b="1" dirty="0" smtClean="0">
-                <a:solidFill>
-                  <a:srgbClr val="000066"/>
-                </a:solidFill>
-                <a:latin typeface="微軟正黑體" pitchFamily="34" charset="-120"/>
-                <a:ea typeface="微軟正黑體" pitchFamily="34" charset="-120"/>
-              </a:rPr>
-              <a:t>和睦</a:t>
-            </a:r>
-            <a:endParaRPr lang="en-US" altLang="zh-CN" sz="5400" b="1" dirty="0" smtClean="0">
+              <a:t>家庭要和睦  家庭要和睦</a:t>
+            </a:r>
+            <a:endParaRPr lang="en-US" altLang="zh-CN" sz="5400" b="1" dirty="0">
               <a:solidFill>
                 <a:srgbClr val="000066"/>
               </a:solidFill>
@@ -3985,7 +4157,7 @@
               <a:buNone/>
             </a:pPr>
             <a:r>
-              <a:rPr lang="zh-CN" altLang="en-US" sz="5400" b="1" dirty="0" smtClean="0">
+              <a:rPr lang="zh-CN" altLang="en-US" sz="5400" b="1" dirty="0">
                 <a:solidFill>
                   <a:srgbClr val="000066"/>
                 </a:solidFill>
@@ -3994,7 +4166,7 @@
               </a:rPr>
               <a:t>凡事相商大家無衝突</a:t>
             </a:r>
-            <a:endParaRPr lang="en-US" altLang="zh-CN" sz="5400" b="1" dirty="0" smtClean="0">
+            <a:endParaRPr lang="en-US" altLang="zh-CN" sz="5400" b="1" dirty="0">
               <a:solidFill>
                 <a:srgbClr val="000066"/>
               </a:solidFill>
@@ -4007,7 +4179,7 @@
               <a:buNone/>
             </a:pPr>
             <a:r>
-              <a:rPr lang="zh-CN" altLang="en-US" sz="5400" b="1" dirty="0" smtClean="0">
+              <a:rPr lang="zh-CN" altLang="en-US" sz="5400" b="1" dirty="0">
                 <a:solidFill>
                   <a:srgbClr val="000066"/>
                 </a:solidFill>
@@ -4016,12 +4188,58 @@
               </a:rPr>
               <a:t>家庭要和睦</a:t>
             </a:r>
-            <a:endParaRPr lang="zh-TW" altLang="en-US" sz="5400" b="1" dirty="0" smtClean="0">
+            <a:endParaRPr lang="zh-TW" altLang="en-US" sz="5400" b="1" dirty="0">
               <a:solidFill>
                 <a:srgbClr val="000066"/>
               </a:solidFill>
               <a:latin typeface="微軟正黑體" pitchFamily="34" charset="-120"/>
               <a:ea typeface="微軟正黑體" pitchFamily="34" charset="-120"/>
+            </a:endParaRPr>
+          </a:p>
+        </p:txBody>
+      </p:sp>
+      <p:sp>
+        <p:nvSpPr>
+          <p:cNvPr id="6" name="TextBox 5"/>
+          <p:cNvSpPr txBox="1"/>
+          <p:nvPr/>
+        </p:nvSpPr>
+        <p:spPr>
+          <a:xfrm>
+            <a:off x="911424" y="1700808"/>
+            <a:ext cx="1008112" cy="830997"/>
+          </a:xfrm>
+          <a:prstGeom prst="rect">
+            <a:avLst/>
+          </a:prstGeom>
+          <a:noFill/>
+        </p:spPr>
+        <p:txBody>
+          <a:bodyPr wrap="square" rtlCol="0">
+            <a:spAutoFit/>
+          </a:bodyPr>
+          <a:lstStyle/>
+          <a:p>
+            <a:r>
+              <a:rPr lang="en-US" sz="4800" b="1" dirty="0">
+                <a:solidFill>
+                  <a:srgbClr val="000066"/>
+                </a:solidFill>
+              </a:rPr>
+              <a:t>3</a:t>
+            </a:r>
+            <a:r>
+              <a:rPr lang="en-US" sz="4800" b="1" dirty="0" smtClean="0">
+                <a:solidFill>
+                  <a:srgbClr val="000066"/>
+                </a:solidFill>
+              </a:rPr>
+              <a:t>.</a:t>
+            </a:r>
+            <a:endParaRPr lang="vi-VN" sz="4800" b="1" dirty="0">
+              <a:solidFill>
+                <a:srgbClr val="000066"/>
+              </a:solidFill>
             </a:endParaRPr>
           </a:p>
         </p:txBody>
@@ -4063,11 +4281,13 @@
         </p:nvSpPr>
         <p:spPr/>
         <p:txBody>
-          <a:bodyPr/>
-          <a:lstStyle/>
-          <a:p>
-            <a:r>
-              <a:rPr lang="zh-CN" altLang="en-US" b="1" dirty="0" smtClean="0">
+          <a:bodyPr>
+            <a:normAutofit/>
+          </a:bodyPr>
+          <a:lstStyle/>
+          <a:p>
+            <a:r>
+              <a:rPr lang="zh-CN" altLang="en-US" sz="4800" b="1" dirty="0">
                 <a:solidFill>
                   <a:srgbClr val="000066"/>
                 </a:solidFill>
@@ -4076,7 +4296,7 @@
               </a:rPr>
               <a:t>基督化家庭</a:t>
             </a:r>
-            <a:endParaRPr lang="zh-TW" altLang="en-US" b="1" dirty="0">
+            <a:endParaRPr lang="zh-TW" altLang="en-US" sz="4800" b="1" dirty="0">
               <a:solidFill>
                 <a:srgbClr val="000066"/>
               </a:solidFill>
@@ -4107,7 +4327,7 @@
               <a:buNone/>
             </a:pPr>
             <a:r>
-              <a:rPr lang="zh-CN" altLang="en-US" sz="5400" b="1" dirty="0" smtClean="0">
+              <a:rPr lang="zh-CN" altLang="en-US" sz="5400" b="1" dirty="0">
                 <a:solidFill>
                   <a:srgbClr val="000066"/>
                 </a:solidFill>
@@ -4116,7 +4336,7 @@
               </a:rPr>
               <a:t>基督門徒家庭要和睦</a:t>
             </a:r>
-            <a:endParaRPr lang="en-US" altLang="zh-CN" sz="5400" b="1" dirty="0" smtClean="0">
+            <a:endParaRPr lang="en-US" altLang="zh-CN" sz="5400" b="1" dirty="0">
               <a:solidFill>
                 <a:srgbClr val="000066"/>
               </a:solidFill>
@@ -4129,26 +4349,16 @@
               <a:buNone/>
             </a:pPr>
             <a:r>
-              <a:rPr lang="zh-CN" altLang="en-US" sz="5400" b="1" dirty="0" smtClean="0">
+              <a:rPr lang="zh-CN" altLang="en-US" sz="5400" b="1" dirty="0">
                 <a:solidFill>
                   <a:srgbClr val="000066"/>
                 </a:solidFill>
                 <a:latin typeface="微軟正黑體" pitchFamily="34" charset="-120"/>
                 <a:ea typeface="微軟正黑體" pitchFamily="34" charset="-120"/>
               </a:rPr>
-              <a:t>真善真</a:t>
-            </a:r>
-            <a:r>
-              <a:rPr lang="zh-CN" altLang="en-US" sz="5400" b="1" dirty="0" smtClean="0">
-                <a:solidFill>
-                  <a:srgbClr val="000066"/>
-                </a:solidFill>
-                <a:latin typeface="微軟正黑體" pitchFamily="34" charset="-120"/>
-                <a:ea typeface="微軟正黑體" pitchFamily="34" charset="-120"/>
-              </a:rPr>
-              <a:t>美猶如郇山露</a:t>
-            </a:r>
-            <a:endParaRPr lang="en-US" altLang="zh-CN" sz="5400" b="1" dirty="0" smtClean="0">
+              <a:t>真善真美猶如郇山露</a:t>
+            </a:r>
+            <a:endParaRPr lang="en-US" altLang="zh-CN" sz="5400" b="1" dirty="0">
               <a:solidFill>
                 <a:srgbClr val="000066"/>
               </a:solidFill>
@@ -4161,7 +4371,7 @@
               <a:buNone/>
             </a:pPr>
             <a:r>
-              <a:rPr lang="zh-CN" altLang="en-US" sz="5400" b="1" dirty="0" smtClean="0">
+              <a:rPr lang="zh-CN" altLang="en-US" sz="5400" b="1" dirty="0">
                 <a:solidFill>
                   <a:srgbClr val="000066"/>
                 </a:solidFill>
@@ -4170,7 +4380,7 @@
               </a:rPr>
               <a:t>合家老少效法主耶穌</a:t>
             </a:r>
-            <a:endParaRPr lang="en-US" altLang="zh-CN" sz="5400" b="1" dirty="0" smtClean="0">
+            <a:endParaRPr lang="en-US" altLang="zh-CN" sz="5400" b="1" dirty="0">
               <a:solidFill>
                 <a:srgbClr val="000066"/>
               </a:solidFill>
@@ -4183,7 +4393,7 @@
               <a:buNone/>
             </a:pPr>
             <a:r>
-              <a:rPr lang="zh-CN" altLang="en-US" sz="5400" b="1" dirty="0" smtClean="0">
+              <a:rPr lang="zh-CN" altLang="en-US" sz="5400" b="1" dirty="0">
                 <a:solidFill>
                   <a:srgbClr val="000066"/>
                 </a:solidFill>
@@ -4192,12 +4402,58 @@
               </a:rPr>
               <a:t>家庭要和睦</a:t>
             </a:r>
-            <a:endParaRPr lang="zh-TW" altLang="en-US" sz="5400" b="1" dirty="0" smtClean="0">
+            <a:endParaRPr lang="zh-TW" altLang="en-US" sz="5400" b="1" dirty="0">
               <a:solidFill>
                 <a:srgbClr val="000066"/>
               </a:solidFill>
               <a:latin typeface="微軟正黑體" pitchFamily="34" charset="-120"/>
               <a:ea typeface="微軟正黑體" pitchFamily="34" charset="-120"/>
+            </a:endParaRPr>
+          </a:p>
+        </p:txBody>
+      </p:sp>
+      <p:sp>
+        <p:nvSpPr>
+          <p:cNvPr id="6" name="TextBox 5"/>
+          <p:cNvSpPr txBox="1"/>
+          <p:nvPr/>
+        </p:nvSpPr>
+        <p:spPr>
+          <a:xfrm>
+            <a:off x="911424" y="1700808"/>
+            <a:ext cx="1008112" cy="830997"/>
+          </a:xfrm>
+          <a:prstGeom prst="rect">
+            <a:avLst/>
+          </a:prstGeom>
+          <a:noFill/>
+        </p:spPr>
+        <p:txBody>
+          <a:bodyPr wrap="square" rtlCol="0">
+            <a:spAutoFit/>
+          </a:bodyPr>
+          <a:lstStyle/>
+          <a:p>
+            <a:r>
+              <a:rPr lang="en-US" sz="4800" b="1" dirty="0">
+                <a:solidFill>
+                  <a:srgbClr val="000066"/>
+                </a:solidFill>
+              </a:rPr>
+              <a:t>4</a:t>
+            </a:r>
+            <a:r>
+              <a:rPr lang="en-US" sz="4800" b="1" dirty="0" smtClean="0">
+                <a:solidFill>
+                  <a:srgbClr val="000066"/>
+                </a:solidFill>
+              </a:rPr>
+              <a:t>.</a:t>
+            </a:r>
+            <a:endParaRPr lang="vi-VN" sz="4800" b="1" dirty="0">
+              <a:solidFill>
+                <a:srgbClr val="000066"/>
+              </a:solidFill>
             </a:endParaRPr>
           </a:p>
         </p:txBody>
@@ -4239,11 +4495,13 @@
         </p:nvSpPr>
         <p:spPr/>
         <p:txBody>
-          <a:bodyPr/>
-          <a:lstStyle/>
-          <a:p>
-            <a:r>
-              <a:rPr lang="zh-CN" altLang="en-US" b="1" dirty="0" smtClean="0">
+          <a:bodyPr>
+            <a:normAutofit/>
+          </a:bodyPr>
+          <a:lstStyle/>
+          <a:p>
+            <a:r>
+              <a:rPr lang="zh-CN" altLang="en-US" sz="4800" b="1" dirty="0">
                 <a:solidFill>
                   <a:srgbClr val="000066"/>
                 </a:solidFill>
@@ -4252,7 +4510,7 @@
               </a:rPr>
               <a:t>基督化家庭</a:t>
             </a:r>
-            <a:endParaRPr lang="zh-TW" altLang="en-US" b="1" dirty="0">
+            <a:endParaRPr lang="zh-TW" altLang="en-US" sz="4800" b="1" dirty="0">
               <a:solidFill>
                 <a:srgbClr val="000066"/>
               </a:solidFill>
@@ -4283,36 +4541,16 @@
               <a:buNone/>
             </a:pPr>
             <a:r>
-              <a:rPr lang="zh-CN" altLang="en-US" sz="5400" b="1" dirty="0" smtClean="0">
+              <a:rPr lang="zh-CN" altLang="en-US" sz="5400" b="1" dirty="0">
                 <a:solidFill>
                   <a:srgbClr val="000066"/>
                 </a:solidFill>
                 <a:latin typeface="微軟正黑體" pitchFamily="34" charset="-120"/>
                 <a:ea typeface="微軟正黑體" pitchFamily="34" charset="-120"/>
               </a:rPr>
-              <a:t>家庭要和睦  家庭</a:t>
-            </a:r>
-            <a:r>
-              <a:rPr lang="zh-CN" altLang="en-US" sz="5400" b="1" dirty="0" smtClean="0">
-                <a:solidFill>
-                  <a:srgbClr val="000066"/>
-                </a:solidFill>
-                <a:latin typeface="微軟正黑體" pitchFamily="34" charset="-120"/>
-                <a:ea typeface="微軟正黑體" pitchFamily="34" charset="-120"/>
-              </a:rPr>
-              <a:t>要</a:t>
-            </a:r>
-            <a:r>
-              <a:rPr lang="zh-CN" altLang="en-US" sz="5400" b="1" dirty="0" smtClean="0">
-                <a:solidFill>
-                  <a:srgbClr val="000066"/>
-                </a:solidFill>
-                <a:latin typeface="微軟正黑體" pitchFamily="34" charset="-120"/>
-                <a:ea typeface="微軟正黑體" pitchFamily="34" charset="-120"/>
-              </a:rPr>
-              <a:t>和睦</a:t>
-            </a:r>
-            <a:endParaRPr lang="en-US" altLang="zh-CN" sz="5400" b="1" dirty="0" smtClean="0">
+              <a:t>家庭要和睦  家庭要和睦</a:t>
+            </a:r>
+            <a:endParaRPr lang="en-US" altLang="zh-CN" sz="5400" b="1" dirty="0">
               <a:solidFill>
                 <a:srgbClr val="000066"/>
               </a:solidFill>
@@ -4325,7 +4563,7 @@
               <a:buNone/>
             </a:pPr>
             <a:r>
-              <a:rPr lang="zh-CN" altLang="en-US" sz="5400" b="1" dirty="0" smtClean="0">
+              <a:rPr lang="zh-CN" altLang="en-US" sz="5400" b="1" dirty="0">
                 <a:solidFill>
                   <a:srgbClr val="000066"/>
                 </a:solidFill>
@@ -4334,7 +4572,7 @@
               </a:rPr>
               <a:t>預備他年得享天堂福</a:t>
             </a:r>
-            <a:endParaRPr lang="en-US" altLang="zh-CN" sz="5400" b="1" smtClean="0">
+            <a:endParaRPr lang="en-US" altLang="zh-CN" sz="5400" b="1" dirty="0">
               <a:solidFill>
                 <a:srgbClr val="000066"/>
               </a:solidFill>
@@ -4347,31 +4585,67 @@
               <a:buNone/>
             </a:pPr>
             <a:r>
-              <a:rPr lang="zh-CN" altLang="en-US" sz="5400" b="1" smtClean="0">
+              <a:rPr lang="zh-CN" altLang="en-US" sz="5400" b="1" dirty="0">
                 <a:solidFill>
                   <a:srgbClr val="000066"/>
                 </a:solidFill>
                 <a:latin typeface="微軟正黑體" pitchFamily="34" charset="-120"/>
                 <a:ea typeface="微軟正黑體" pitchFamily="34" charset="-120"/>
               </a:rPr>
-              <a:t>家庭</a:t>
-            </a:r>
-            <a:r>
-              <a:rPr lang="zh-CN" altLang="en-US" sz="5400" b="1" dirty="0" smtClean="0">
-                <a:solidFill>
-                  <a:srgbClr val="000066"/>
-                </a:solidFill>
-                <a:latin typeface="微軟正黑體" pitchFamily="34" charset="-120"/>
-                <a:ea typeface="微軟正黑體" pitchFamily="34" charset="-120"/>
-              </a:rPr>
-              <a:t>要和睦</a:t>
-            </a:r>
-            <a:endParaRPr lang="zh-TW" altLang="en-US" sz="5400" b="1" dirty="0" smtClean="0">
+              <a:t>家庭要和睦</a:t>
+            </a:r>
+            <a:endParaRPr lang="zh-TW" altLang="en-US" sz="5400" b="1" dirty="0">
               <a:solidFill>
                 <a:srgbClr val="000066"/>
               </a:solidFill>
               <a:latin typeface="微軟正黑體" pitchFamily="34" charset="-120"/>
               <a:ea typeface="微軟正黑體" pitchFamily="34" charset="-120"/>
+            </a:endParaRPr>
+          </a:p>
+        </p:txBody>
+      </p:sp>
+      <p:sp>
+        <p:nvSpPr>
+          <p:cNvPr id="6" name="TextBox 5"/>
+          <p:cNvSpPr txBox="1"/>
+          <p:nvPr/>
+        </p:nvSpPr>
+        <p:spPr>
+          <a:xfrm>
+            <a:off x="911424" y="1700808"/>
+            <a:ext cx="1008112" cy="830997"/>
+          </a:xfrm>
+          <a:prstGeom prst="rect">
+            <a:avLst/>
+          </a:prstGeom>
+          <a:noFill/>
+        </p:spPr>
+        <p:txBody>
+          <a:bodyPr wrap="square" rtlCol="0">
+            <a:spAutoFit/>
+          </a:bodyPr>
+          <a:lstStyle/>
+          <a:p>
+            <a:r>
+              <a:rPr lang="en-US" sz="4800" b="1" dirty="0">
+                <a:solidFill>
+                  <a:srgbClr val="000066"/>
+                </a:solidFill>
+              </a:rPr>
+              <a:t>4</a:t>
+            </a:r>
+            <a:r>
+              <a:rPr lang="en-US" sz="4800" b="1" dirty="0" smtClean="0">
+                <a:solidFill>
+                  <a:srgbClr val="000066"/>
+                </a:solidFill>
+              </a:rPr>
+              <a:t>.</a:t>
+            </a:r>
+            <a:endParaRPr lang="vi-VN" sz="4800" b="1" dirty="0">
+              <a:solidFill>
+                <a:srgbClr val="000066"/>
+              </a:solidFill>
             </a:endParaRPr>
           </a:p>
         </p:txBody>

--- a/宣道詩/(宣道詩264)基督化家庭.pptx
+++ b/宣道詩/(宣道詩264)基督化家庭.pptx
@@ -5,14 +5,23 @@
     <p:sldMasterId id="2147483660" r:id="rId1"/>
   </p:sldMasterIdLst>
   <p:sldIdLst>
-    <p:sldId id="256" r:id="rId2"/>
-    <p:sldId id="257" r:id="rId3"/>
-    <p:sldId id="258" r:id="rId4"/>
-    <p:sldId id="259" r:id="rId5"/>
-    <p:sldId id="260" r:id="rId6"/>
-    <p:sldId id="261" r:id="rId7"/>
-    <p:sldId id="262" r:id="rId8"/>
-    <p:sldId id="263" r:id="rId9"/>
+    <p:sldId id="264" r:id="rId2"/>
+    <p:sldId id="265" r:id="rId3"/>
+    <p:sldId id="266" r:id="rId4"/>
+    <p:sldId id="267" r:id="rId5"/>
+    <p:sldId id="268" r:id="rId6"/>
+    <p:sldId id="269" r:id="rId7"/>
+    <p:sldId id="270" r:id="rId8"/>
+    <p:sldId id="271" r:id="rId9"/>
+    <p:sldId id="272" r:id="rId10"/>
+    <p:sldId id="273" r:id="rId11"/>
+    <p:sldId id="274" r:id="rId12"/>
+    <p:sldId id="275" r:id="rId13"/>
+    <p:sldId id="276" r:id="rId14"/>
+    <p:sldId id="277" r:id="rId15"/>
+    <p:sldId id="278" r:id="rId16"/>
+    <p:sldId id="279" r:id="rId17"/>
+    <p:sldId id="280" r:id="rId18"/>
   </p:sldIdLst>
   <p:sldSz cx="12192000" cy="6858000"/>
   <p:notesSz cx="6858000" cy="9144000"/>
@@ -311,7 +320,7 @@
           <a:p>
             <a:fld id="{36FCB419-7C73-4AB4-9860-2D9772FC8235}" type="datetimeFigureOut">
               <a:rPr lang="zh-TW" altLang="en-US" smtClean="0"/>
-              <a:t>2020/6/27</a:t>
+              <a:t>2021/5/8</a:t>
             </a:fld>
             <a:endParaRPr lang="zh-TW" altLang="en-US"/>
           </a:p>
@@ -476,7 +485,7 @@
           <a:p>
             <a:fld id="{36FCB419-7C73-4AB4-9860-2D9772FC8235}" type="datetimeFigureOut">
               <a:rPr lang="zh-TW" altLang="en-US" smtClean="0"/>
-              <a:t>2020/6/27</a:t>
+              <a:t>2021/5/8</a:t>
             </a:fld>
             <a:endParaRPr lang="zh-TW" altLang="en-US"/>
           </a:p>
@@ -651,7 +660,7 @@
           <a:p>
             <a:fld id="{36FCB419-7C73-4AB4-9860-2D9772FC8235}" type="datetimeFigureOut">
               <a:rPr lang="zh-TW" altLang="en-US" smtClean="0"/>
-              <a:t>2020/6/27</a:t>
+              <a:t>2021/5/8</a:t>
             </a:fld>
             <a:endParaRPr lang="zh-TW" altLang="en-US"/>
           </a:p>
@@ -816,7 +825,7 @@
           <a:p>
             <a:fld id="{36FCB419-7C73-4AB4-9860-2D9772FC8235}" type="datetimeFigureOut">
               <a:rPr lang="zh-TW" altLang="en-US" smtClean="0"/>
-              <a:t>2020/6/27</a:t>
+              <a:t>2021/5/8</a:t>
             </a:fld>
             <a:endParaRPr lang="zh-TW" altLang="en-US"/>
           </a:p>
@@ -1057,7 +1066,7 @@
           <a:p>
             <a:fld id="{36FCB419-7C73-4AB4-9860-2D9772FC8235}" type="datetimeFigureOut">
               <a:rPr lang="zh-TW" altLang="en-US" smtClean="0"/>
-              <a:t>2020/6/27</a:t>
+              <a:t>2021/5/8</a:t>
             </a:fld>
             <a:endParaRPr lang="zh-TW" altLang="en-US"/>
           </a:p>
@@ -1340,7 +1349,7 @@
           <a:p>
             <a:fld id="{36FCB419-7C73-4AB4-9860-2D9772FC8235}" type="datetimeFigureOut">
               <a:rPr lang="zh-TW" altLang="en-US" smtClean="0"/>
-              <a:t>2020/6/27</a:t>
+              <a:t>2021/5/8</a:t>
             </a:fld>
             <a:endParaRPr lang="zh-TW" altLang="en-US"/>
           </a:p>
@@ -1757,7 +1766,7 @@
           <a:p>
             <a:fld id="{36FCB419-7C73-4AB4-9860-2D9772FC8235}" type="datetimeFigureOut">
               <a:rPr lang="zh-TW" altLang="en-US" smtClean="0"/>
-              <a:t>2020/6/27</a:t>
+              <a:t>2021/5/8</a:t>
             </a:fld>
             <a:endParaRPr lang="zh-TW" altLang="en-US"/>
           </a:p>
@@ -1870,7 +1879,7 @@
           <a:p>
             <a:fld id="{36FCB419-7C73-4AB4-9860-2D9772FC8235}" type="datetimeFigureOut">
               <a:rPr lang="zh-TW" altLang="en-US" smtClean="0"/>
-              <a:t>2020/6/27</a:t>
+              <a:t>2021/5/8</a:t>
             </a:fld>
             <a:endParaRPr lang="zh-TW" altLang="en-US"/>
           </a:p>
@@ -1960,7 +1969,7 @@
           <a:p>
             <a:fld id="{36FCB419-7C73-4AB4-9860-2D9772FC8235}" type="datetimeFigureOut">
               <a:rPr lang="zh-TW" altLang="en-US" smtClean="0"/>
-              <a:t>2020/6/27</a:t>
+              <a:t>2021/5/8</a:t>
             </a:fld>
             <a:endParaRPr lang="zh-TW" altLang="en-US"/>
           </a:p>
@@ -2232,7 +2241,7 @@
           <a:p>
             <a:fld id="{36FCB419-7C73-4AB4-9860-2D9772FC8235}" type="datetimeFigureOut">
               <a:rPr lang="zh-TW" altLang="en-US" smtClean="0"/>
-              <a:t>2020/6/27</a:t>
+              <a:t>2021/5/8</a:t>
             </a:fld>
             <a:endParaRPr lang="zh-TW" altLang="en-US"/>
           </a:p>
@@ -2484,7 +2493,7 @@
           <a:p>
             <a:fld id="{36FCB419-7C73-4AB4-9860-2D9772FC8235}" type="datetimeFigureOut">
               <a:rPr lang="zh-TW" altLang="en-US" smtClean="0"/>
-              <a:t>2020/6/27</a:t>
+              <a:t>2021/5/8</a:t>
             </a:fld>
             <a:endParaRPr lang="zh-TW" altLang="en-US"/>
           </a:p>
@@ -2697,7 +2706,7 @@
           <a:p>
             <a:fld id="{36FCB419-7C73-4AB4-9860-2D9772FC8235}" type="datetimeFigureOut">
               <a:rPr lang="zh-TW" altLang="en-US" smtClean="0"/>
-              <a:t>2020/6/27</a:t>
+              <a:t>2021/5/8</a:t>
             </a:fld>
             <a:endParaRPr lang="zh-TW" altLang="en-US"/>
           </a:p>
@@ -3077,149 +3086,250 @@
             <p:ph type="title"/>
           </p:nvPr>
         </p:nvSpPr>
-        <p:spPr/>
+        <p:spPr>
+          <a:xfrm>
+            <a:off x="0" y="2660915"/>
+            <a:ext cx="12192000" cy="1143000"/>
+          </a:xfrm>
+        </p:spPr>
         <p:txBody>
           <a:bodyPr>
-            <a:normAutofit/>
+            <a:noAutofit/>
           </a:bodyPr>
           <a:lstStyle/>
           <a:p>
             <a:r>
-              <a:rPr lang="zh-CN" altLang="en-US" sz="4800" b="1" dirty="0" smtClean="0">
+              <a:rPr lang="zh-CN" altLang="en-US" sz="5333" b="1" u="sng" dirty="0">
                 <a:solidFill>
                   <a:srgbClr val="000066"/>
                 </a:solidFill>
+                <a:effectLst>
+                  <a:outerShdw blurRad="38100" dist="38100" dir="2700000" algn="tl">
+                    <a:srgbClr val="000000">
+                      <a:alpha val="43137"/>
+                    </a:srgbClr>
+                  </a:outerShdw>
+                </a:effectLst>
                 <a:latin typeface="微軟正黑體" pitchFamily="34" charset="-120"/>
                 <a:ea typeface="微軟正黑體" pitchFamily="34" charset="-120"/>
               </a:rPr>
-              <a:t>基督化家庭</a:t>
-            </a:r>
-            <a:endParaRPr lang="zh-TW" altLang="en-US" sz="4800" b="1" dirty="0">
+              <a:t>宣道詩 </a:t>
+            </a:r>
+            <a:r>
+              <a:rPr lang="en-US" altLang="zh-CN" sz="5333" b="1" u="sng" dirty="0">
+                <a:solidFill>
+                  <a:srgbClr val="000066"/>
+                </a:solidFill>
+                <a:effectLst>
+                  <a:outerShdw blurRad="38100" dist="38100" dir="2700000" algn="tl">
+                    <a:srgbClr val="000000">
+                      <a:alpha val="43137"/>
+                    </a:srgbClr>
+                  </a:outerShdw>
+                </a:effectLst>
+                <a:latin typeface="微軟正黑體" pitchFamily="34" charset="-120"/>
+                <a:ea typeface="微軟正黑體" pitchFamily="34" charset="-120"/>
+              </a:rPr>
+              <a:t>264</a:t>
+            </a:r>
+            <a:r>
+              <a:rPr lang="en-US" altLang="zh-CN" sz="7200" b="1" i="1" dirty="0">
+                <a:solidFill>
+                  <a:srgbClr val="660033"/>
+                </a:solidFill>
+                <a:effectLst>
+                  <a:outerShdw blurRad="38100" dist="38100" dir="2700000" algn="tl">
+                    <a:srgbClr val="000000">
+                      <a:alpha val="43137"/>
+                    </a:srgbClr>
+                  </a:outerShdw>
+                </a:effectLst>
+                <a:latin typeface="微軟正黑體" pitchFamily="34" charset="-120"/>
+                <a:ea typeface="微軟正黑體" pitchFamily="34" charset="-120"/>
+              </a:rPr>
+              <a:t/>
+            </a:r>
+            <a:br>
+              <a:rPr lang="en-US" altLang="zh-CN" sz="7200" b="1" i="1" dirty="0">
+                <a:solidFill>
+                  <a:srgbClr val="660033"/>
+                </a:solidFill>
+                <a:effectLst>
+                  <a:outerShdw blurRad="38100" dist="38100" dir="2700000" algn="tl">
+                    <a:srgbClr val="000000">
+                      <a:alpha val="43137"/>
+                    </a:srgbClr>
+                  </a:outerShdw>
+                </a:effectLst>
+                <a:latin typeface="微軟正黑體" pitchFamily="34" charset="-120"/>
+                <a:ea typeface="微軟正黑體" pitchFamily="34" charset="-120"/>
+              </a:rPr>
+            </a:br>
+            <a:r>
+              <a:rPr lang="zh-CN" altLang="en-US" sz="8000" b="1" dirty="0">
+                <a:solidFill>
+                  <a:srgbClr val="660033"/>
+                </a:solidFill>
+                <a:effectLst>
+                  <a:outerShdw blurRad="38100" dist="38100" dir="2700000" algn="tl">
+                    <a:srgbClr val="000000">
+                      <a:alpha val="43137"/>
+                    </a:srgbClr>
+                  </a:outerShdw>
+                </a:effectLst>
+                <a:latin typeface="微軟正黑體" pitchFamily="34" charset="-120"/>
+                <a:ea typeface="微軟正黑體" pitchFamily="34" charset="-120"/>
+              </a:rPr>
+              <a:t>基</a:t>
+            </a:r>
+            <a:r>
+              <a:rPr lang="zh-CN" altLang="en-US" sz="8000" b="1" dirty="0">
+                <a:solidFill>
+                  <a:srgbClr val="660033"/>
+                </a:solidFill>
+                <a:effectLst>
+                  <a:outerShdw blurRad="38100" dist="38100" dir="2700000" algn="tl">
+                    <a:srgbClr val="000000">
+                      <a:alpha val="43137"/>
+                    </a:srgbClr>
+                  </a:outerShdw>
+                </a:effectLst>
+                <a:latin typeface="微軟正黑體" pitchFamily="34" charset="-120"/>
+                <a:ea typeface="微軟正黑體" pitchFamily="34" charset="-120"/>
+              </a:rPr>
+              <a:t>督化家庭</a:t>
+            </a:r>
+            <a:endParaRPr lang="zh-TW" altLang="en-US" sz="8000" b="1" dirty="0">
               <a:solidFill>
-                <a:srgbClr val="000066"/>
+                <a:srgbClr val="660033"/>
+              </a:solidFill>
+              <a:effectLst>
+                <a:outerShdw blurRad="38100" dist="38100" dir="2700000" algn="tl">
+                  <a:srgbClr val="000000">
+                    <a:alpha val="43137"/>
+                  </a:srgbClr>
+                </a:outerShdw>
+              </a:effectLst>
+              <a:latin typeface="微軟正黑體" pitchFamily="34" charset="-120"/>
+              <a:ea typeface="微軟正黑體" pitchFamily="34" charset="-120"/>
+            </a:endParaRPr>
+          </a:p>
+        </p:txBody>
+      </p:sp>
+    </p:spTree>
+    <p:extLst>
+      <p:ext uri="{BB962C8B-B14F-4D97-AF65-F5344CB8AC3E}">
+        <p14:creationId xmlns:p14="http://schemas.microsoft.com/office/powerpoint/2010/main" val="4266218834"/>
+      </p:ext>
+    </p:extLst>
+  </p:cSld>
+  <p:clrMapOvr>
+    <a:masterClrMapping/>
+  </p:clrMapOvr>
+  <p:timing>
+    <p:tnLst>
+      <p:par>
+        <p:cTn id="1" dur="indefinite" restart="never" nodeType="tmRoot"/>
+      </p:par>
+    </p:tnLst>
+  </p:timing>
+</p:sld>
+</file>
+
+<file path=ppt/slides/slide10.xml><?xml version="1.0" encoding="utf-8"?>
+<p:sld xmlns:a="http://schemas.openxmlformats.org/drawingml/2006/main" xmlns:r="http://schemas.openxmlformats.org/officeDocument/2006/relationships" xmlns:p="http://schemas.openxmlformats.org/presentationml/2006/main">
+  <p:cSld>
+    <p:spTree>
+      <p:nvGrpSpPr>
+        <p:cNvPr id="1" name=""/>
+        <p:cNvGrpSpPr/>
+        <p:nvPr/>
+      </p:nvGrpSpPr>
+      <p:grpSpPr>
+        <a:xfrm>
+          <a:off x="0" y="0"/>
+          <a:ext cx="0" cy="0"/>
+          <a:chOff x="0" y="0"/>
+          <a:chExt cx="0" cy="0"/>
+        </a:xfrm>
+      </p:grpSpPr>
+      <p:sp>
+        <p:nvSpPr>
+          <p:cNvPr id="5" name="內容版面配置區 4"/>
+          <p:cNvSpPr>
+            <a:spLocks noGrp="1"/>
+          </p:cNvSpPr>
+          <p:nvPr>
+            <p:ph idx="1"/>
+          </p:nvPr>
+        </p:nvSpPr>
+        <p:spPr>
+          <a:xfrm>
+            <a:off x="0" y="2084851"/>
+            <a:ext cx="12192000" cy="2404863"/>
+          </a:xfrm>
+        </p:spPr>
+        <p:txBody>
+          <a:bodyPr anchor="ctr">
+            <a:normAutofit/>
+          </a:bodyPr>
+          <a:lstStyle/>
+          <a:p>
+            <a:pPr algn="ctr">
+              <a:buNone/>
+            </a:pPr>
+            <a:r>
+              <a:rPr lang="zh-CN" altLang="en-US" sz="6400" b="1" dirty="0">
+                <a:solidFill>
+                  <a:srgbClr val="660033"/>
+                </a:solidFill>
+                <a:latin typeface="微軟正黑體" pitchFamily="34" charset="-120"/>
+                <a:ea typeface="微軟正黑體" pitchFamily="34" charset="-120"/>
+              </a:rPr>
+              <a:t>基督門徒家庭要和睦</a:t>
+            </a:r>
+            <a:endParaRPr lang="en-US" altLang="zh-CN" sz="6400" b="1" dirty="0">
+              <a:solidFill>
+                <a:srgbClr val="660033"/>
               </a:solidFill>
               <a:latin typeface="微軟正黑體" pitchFamily="34" charset="-120"/>
               <a:ea typeface="微軟正黑體" pitchFamily="34" charset="-120"/>
             </a:endParaRPr>
           </a:p>
-        </p:txBody>
-      </p:sp>
-      <p:sp>
-        <p:nvSpPr>
-          <p:cNvPr id="5" name="內容版面配置區 4"/>
-          <p:cNvSpPr>
-            <a:spLocks noGrp="1"/>
-          </p:cNvSpPr>
-          <p:nvPr>
-            <p:ph idx="1"/>
-          </p:nvPr>
-        </p:nvSpPr>
-        <p:spPr/>
-        <p:txBody>
-          <a:bodyPr>
-            <a:normAutofit/>
-          </a:bodyPr>
-          <a:lstStyle/>
           <a:p>
             <a:pPr algn="ctr">
               <a:buNone/>
             </a:pPr>
             <a:r>
-              <a:rPr lang="zh-CN" altLang="en-US" sz="5400" b="1" dirty="0">
-                <a:solidFill>
-                  <a:srgbClr val="000066"/>
+              <a:rPr lang="zh-CN" altLang="en-US" sz="6400" b="1" dirty="0">
+                <a:solidFill>
+                  <a:srgbClr val="660033"/>
                 </a:solidFill>
                 <a:latin typeface="微軟正黑體" pitchFamily="34" charset="-120"/>
                 <a:ea typeface="微軟正黑體" pitchFamily="34" charset="-120"/>
               </a:rPr>
-              <a:t>基督門徒家庭要和睦</a:t>
-            </a:r>
-            <a:endParaRPr lang="en-US" altLang="zh-CN" sz="5400" b="1" dirty="0">
+              <a:t>個個歡喜個個心滿足</a:t>
+            </a:r>
+            <a:endParaRPr lang="en-US" altLang="zh-CN" sz="6400" b="1" dirty="0">
               <a:solidFill>
-                <a:srgbClr val="000066"/>
+                <a:srgbClr val="660033"/>
               </a:solidFill>
               <a:latin typeface="微軟正黑體" pitchFamily="34" charset="-120"/>
               <a:ea typeface="微軟正黑體" pitchFamily="34" charset="-120"/>
             </a:endParaRPr>
           </a:p>
-          <a:p>
-            <a:pPr algn="ctr">
-              <a:buNone/>
-            </a:pPr>
-            <a:r>
-              <a:rPr lang="zh-CN" altLang="en-US" sz="5400" b="1" dirty="0">
-                <a:solidFill>
-                  <a:srgbClr val="000066"/>
-                </a:solidFill>
-                <a:latin typeface="微軟正黑體" pitchFamily="34" charset="-120"/>
-                <a:ea typeface="微軟正黑體" pitchFamily="34" charset="-120"/>
-              </a:rPr>
-              <a:t>父慈子孝夫妻無反目</a:t>
-            </a:r>
-            <a:endParaRPr lang="en-US" altLang="zh-CN" sz="5400" b="1" dirty="0">
-              <a:solidFill>
-                <a:srgbClr val="000066"/>
-              </a:solidFill>
-              <a:latin typeface="微軟正黑體" pitchFamily="34" charset="-120"/>
-              <a:ea typeface="微軟正黑體" pitchFamily="34" charset="-120"/>
-            </a:endParaRPr>
-          </a:p>
-          <a:p>
-            <a:pPr algn="ctr">
-              <a:buNone/>
-            </a:pPr>
-            <a:r>
-              <a:rPr lang="zh-CN" altLang="en-US" sz="5400" b="1" dirty="0">
-                <a:solidFill>
-                  <a:srgbClr val="000066"/>
-                </a:solidFill>
-                <a:latin typeface="微軟正黑體" pitchFamily="34" charset="-120"/>
-                <a:ea typeface="微軟正黑體" pitchFamily="34" charset="-120"/>
-              </a:rPr>
-              <a:t>兄友弟恭  妯娌情誼篤</a:t>
-            </a:r>
-            <a:endParaRPr lang="en-US" altLang="zh-CN" sz="5400" b="1" dirty="0">
-              <a:solidFill>
-                <a:srgbClr val="000066"/>
-              </a:solidFill>
-              <a:latin typeface="微軟正黑體" pitchFamily="34" charset="-120"/>
-              <a:ea typeface="微軟正黑體" pitchFamily="34" charset="-120"/>
-            </a:endParaRPr>
-          </a:p>
-          <a:p>
-            <a:pPr algn="ctr">
-              <a:buNone/>
-            </a:pPr>
-            <a:r>
-              <a:rPr lang="zh-CN" altLang="en-US" sz="5400" b="1" dirty="0">
-                <a:solidFill>
-                  <a:srgbClr val="000066"/>
-                </a:solidFill>
-                <a:latin typeface="微軟正黑體" pitchFamily="34" charset="-120"/>
-                <a:ea typeface="微軟正黑體" pitchFamily="34" charset="-120"/>
-              </a:rPr>
-              <a:t>家庭要和睦</a:t>
-            </a:r>
-            <a:endParaRPr lang="zh-TW" altLang="en-US" sz="5400" b="1" dirty="0">
-              <a:solidFill>
-                <a:srgbClr val="000066"/>
-              </a:solidFill>
-              <a:latin typeface="微軟正黑體" pitchFamily="34" charset="-120"/>
-              <a:ea typeface="微軟正黑體" pitchFamily="34" charset="-120"/>
-            </a:endParaRPr>
-          </a:p>
-        </p:txBody>
-      </p:sp>
-      <p:sp>
-        <p:nvSpPr>
-          <p:cNvPr id="2" name="TextBox 1"/>
+        </p:txBody>
+      </p:sp>
+      <p:sp>
+        <p:nvSpPr>
+          <p:cNvPr id="3" name="TextBox 2"/>
           <p:cNvSpPr txBox="1"/>
           <p:nvPr/>
         </p:nvSpPr>
         <p:spPr>
           <a:xfrm>
-            <a:off x="911424" y="1700808"/>
-            <a:ext cx="1008112" cy="830997"/>
+            <a:off x="0" y="5061182"/>
+            <a:ext cx="12192000" cy="830997"/>
           </a:xfrm>
           <a:prstGeom prst="rect">
             <a:avLst/>
@@ -3232,27 +3342,1041 @@
           </a:bodyPr>
           <a:lstStyle/>
           <a:p>
-            <a:r>
-              <a:rPr lang="en-US" sz="4800" b="1" dirty="0" smtClean="0">
-                <a:solidFill>
-                  <a:srgbClr val="000066"/>
+            <a:pPr algn="ctr"/>
+            <a:r>
+              <a:rPr lang="en-US" sz="4800" b="1" dirty="0">
+                <a:solidFill>
+                  <a:srgbClr val="660033"/>
                 </a:solidFill>
               </a:rPr>
-              <a:t>1.</a:t>
+              <a:t>( 3 )</a:t>
             </a:r>
             <a:endParaRPr lang="vi-VN" sz="4800" b="1" dirty="0">
               <a:solidFill>
-                <a:srgbClr val="000066"/>
+                <a:srgbClr val="660033"/>
               </a:solidFill>
             </a:endParaRPr>
           </a:p>
         </p:txBody>
       </p:sp>
     </p:spTree>
+    <p:extLst>
+      <p:ext uri="{BB962C8B-B14F-4D97-AF65-F5344CB8AC3E}">
+        <p14:creationId xmlns:p14="http://schemas.microsoft.com/office/powerpoint/2010/main" val="2187015505"/>
+      </p:ext>
+    </p:extLst>
   </p:cSld>
   <p:clrMapOvr>
     <a:masterClrMapping/>
   </p:clrMapOvr>
+  <p:timing>
+    <p:tnLst>
+      <p:par>
+        <p:cTn id="1" dur="indefinite" restart="never" nodeType="tmRoot"/>
+      </p:par>
+    </p:tnLst>
+  </p:timing>
+</p:sld>
+</file>
+
+<file path=ppt/slides/slide11.xml><?xml version="1.0" encoding="utf-8"?>
+<p:sld xmlns:a="http://schemas.openxmlformats.org/drawingml/2006/main" xmlns:r="http://schemas.openxmlformats.org/officeDocument/2006/relationships" xmlns:p="http://schemas.openxmlformats.org/presentationml/2006/main">
+  <p:cSld>
+    <p:spTree>
+      <p:nvGrpSpPr>
+        <p:cNvPr id="1" name=""/>
+        <p:cNvGrpSpPr/>
+        <p:nvPr/>
+      </p:nvGrpSpPr>
+      <p:grpSpPr>
+        <a:xfrm>
+          <a:off x="0" y="0"/>
+          <a:ext cx="0" cy="0"/>
+          <a:chOff x="0" y="0"/>
+          <a:chExt cx="0" cy="0"/>
+        </a:xfrm>
+      </p:grpSpPr>
+      <p:sp>
+        <p:nvSpPr>
+          <p:cNvPr id="5" name="內容版面配置區 4"/>
+          <p:cNvSpPr>
+            <a:spLocks noGrp="1"/>
+          </p:cNvSpPr>
+          <p:nvPr>
+            <p:ph idx="1"/>
+          </p:nvPr>
+        </p:nvSpPr>
+        <p:spPr>
+          <a:xfrm>
+            <a:off x="0" y="2084851"/>
+            <a:ext cx="12192000" cy="2404863"/>
+          </a:xfrm>
+        </p:spPr>
+        <p:txBody>
+          <a:bodyPr anchor="ctr">
+            <a:normAutofit/>
+          </a:bodyPr>
+          <a:lstStyle/>
+          <a:p>
+            <a:pPr algn="ctr">
+              <a:buNone/>
+            </a:pPr>
+            <a:r>
+              <a:rPr lang="zh-CN" altLang="en-US" sz="6400" b="1" dirty="0">
+                <a:solidFill>
+                  <a:srgbClr val="660033"/>
+                </a:solidFill>
+                <a:latin typeface="微軟正黑體" pitchFamily="34" charset="-120"/>
+                <a:ea typeface="微軟正黑體" pitchFamily="34" charset="-120"/>
+              </a:rPr>
+              <a:t>和睦同居忍耐第一步</a:t>
+            </a:r>
+            <a:endParaRPr lang="en-US" altLang="zh-CN" sz="6400" b="1" dirty="0">
+              <a:solidFill>
+                <a:srgbClr val="660033"/>
+              </a:solidFill>
+              <a:latin typeface="微軟正黑體" pitchFamily="34" charset="-120"/>
+              <a:ea typeface="微軟正黑體" pitchFamily="34" charset="-120"/>
+            </a:endParaRPr>
+          </a:p>
+          <a:p>
+            <a:pPr algn="ctr">
+              <a:buNone/>
+            </a:pPr>
+            <a:r>
+              <a:rPr lang="zh-CN" altLang="en-US" sz="6400" b="1" dirty="0">
+                <a:solidFill>
+                  <a:srgbClr val="660033"/>
+                </a:solidFill>
+                <a:latin typeface="微軟正黑體" pitchFamily="34" charset="-120"/>
+                <a:ea typeface="微軟正黑體" pitchFamily="34" charset="-120"/>
+              </a:rPr>
+              <a:t>家庭要和睦</a:t>
+            </a:r>
+            <a:endParaRPr lang="zh-TW" altLang="en-US" sz="6400" b="1" dirty="0">
+              <a:solidFill>
+                <a:srgbClr val="660033"/>
+              </a:solidFill>
+              <a:latin typeface="微軟正黑體" pitchFamily="34" charset="-120"/>
+              <a:ea typeface="微軟正黑體" pitchFamily="34" charset="-120"/>
+            </a:endParaRPr>
+          </a:p>
+        </p:txBody>
+      </p:sp>
+      <p:sp>
+        <p:nvSpPr>
+          <p:cNvPr id="3" name="TextBox 2"/>
+          <p:cNvSpPr txBox="1"/>
+          <p:nvPr/>
+        </p:nvSpPr>
+        <p:spPr>
+          <a:xfrm>
+            <a:off x="0" y="5061182"/>
+            <a:ext cx="12192000" cy="830997"/>
+          </a:xfrm>
+          <a:prstGeom prst="rect">
+            <a:avLst/>
+          </a:prstGeom>
+          <a:noFill/>
+        </p:spPr>
+        <p:txBody>
+          <a:bodyPr wrap="square" rtlCol="0">
+            <a:spAutoFit/>
+          </a:bodyPr>
+          <a:lstStyle/>
+          <a:p>
+            <a:pPr algn="ctr"/>
+            <a:r>
+              <a:rPr lang="en-US" sz="4800" b="1" dirty="0">
+                <a:solidFill>
+                  <a:srgbClr val="660033"/>
+                </a:solidFill>
+              </a:rPr>
+              <a:t>( 3 )</a:t>
+            </a:r>
+            <a:endParaRPr lang="vi-VN" sz="4800" b="1" dirty="0">
+              <a:solidFill>
+                <a:srgbClr val="660033"/>
+              </a:solidFill>
+            </a:endParaRPr>
+          </a:p>
+        </p:txBody>
+      </p:sp>
+    </p:spTree>
+    <p:extLst>
+      <p:ext uri="{BB962C8B-B14F-4D97-AF65-F5344CB8AC3E}">
+        <p14:creationId xmlns:p14="http://schemas.microsoft.com/office/powerpoint/2010/main" val="1330581637"/>
+      </p:ext>
+    </p:extLst>
+  </p:cSld>
+  <p:clrMapOvr>
+    <a:masterClrMapping/>
+  </p:clrMapOvr>
+  <p:timing>
+    <p:tnLst>
+      <p:par>
+        <p:cTn id="1" dur="indefinite" restart="never" nodeType="tmRoot"/>
+      </p:par>
+    </p:tnLst>
+  </p:timing>
+</p:sld>
+</file>
+
+<file path=ppt/slides/slide12.xml><?xml version="1.0" encoding="utf-8"?>
+<p:sld xmlns:a="http://schemas.openxmlformats.org/drawingml/2006/main" xmlns:r="http://schemas.openxmlformats.org/officeDocument/2006/relationships" xmlns:p="http://schemas.openxmlformats.org/presentationml/2006/main">
+  <p:cSld>
+    <p:spTree>
+      <p:nvGrpSpPr>
+        <p:cNvPr id="1" name=""/>
+        <p:cNvGrpSpPr/>
+        <p:nvPr/>
+      </p:nvGrpSpPr>
+      <p:grpSpPr>
+        <a:xfrm>
+          <a:off x="0" y="0"/>
+          <a:ext cx="0" cy="0"/>
+          <a:chOff x="0" y="0"/>
+          <a:chExt cx="0" cy="0"/>
+        </a:xfrm>
+      </p:grpSpPr>
+      <p:sp>
+        <p:nvSpPr>
+          <p:cNvPr id="5" name="內容版面配置區 4"/>
+          <p:cNvSpPr>
+            <a:spLocks noGrp="1"/>
+          </p:cNvSpPr>
+          <p:nvPr>
+            <p:ph idx="1"/>
+          </p:nvPr>
+        </p:nvSpPr>
+        <p:spPr>
+          <a:xfrm>
+            <a:off x="0" y="2084851"/>
+            <a:ext cx="12192000" cy="2404863"/>
+          </a:xfrm>
+        </p:spPr>
+        <p:txBody>
+          <a:bodyPr anchor="ctr">
+            <a:normAutofit/>
+          </a:bodyPr>
+          <a:lstStyle/>
+          <a:p>
+            <a:pPr algn="ctr">
+              <a:buNone/>
+            </a:pPr>
+            <a:r>
+              <a:rPr lang="zh-CN" altLang="en-US" sz="6400" b="1" dirty="0">
+                <a:solidFill>
+                  <a:srgbClr val="660033"/>
+                </a:solidFill>
+                <a:latin typeface="微軟正黑體" pitchFamily="34" charset="-120"/>
+                <a:ea typeface="微軟正黑體" pitchFamily="34" charset="-120"/>
+              </a:rPr>
+              <a:t>家庭要和睦  </a:t>
+            </a:r>
+            <a:endParaRPr lang="en-US" altLang="zh-CN" sz="6400" b="1" dirty="0">
+              <a:solidFill>
+                <a:srgbClr val="660033"/>
+              </a:solidFill>
+              <a:latin typeface="微軟正黑體" pitchFamily="34" charset="-120"/>
+              <a:ea typeface="微軟正黑體" pitchFamily="34" charset="-120"/>
+            </a:endParaRPr>
+          </a:p>
+          <a:p>
+            <a:pPr algn="ctr">
+              <a:buNone/>
+            </a:pPr>
+            <a:r>
+              <a:rPr lang="zh-CN" altLang="en-US" sz="6400" b="1" dirty="0">
+                <a:solidFill>
+                  <a:srgbClr val="660033"/>
+                </a:solidFill>
+                <a:latin typeface="微軟正黑體" pitchFamily="34" charset="-120"/>
+                <a:ea typeface="微軟正黑體" pitchFamily="34" charset="-120"/>
+              </a:rPr>
+              <a:t>家庭要和睦</a:t>
+            </a:r>
+            <a:endParaRPr lang="zh-TW" altLang="en-US" sz="6400" b="1" dirty="0">
+              <a:solidFill>
+                <a:srgbClr val="660033"/>
+              </a:solidFill>
+              <a:latin typeface="微軟正黑體" pitchFamily="34" charset="-120"/>
+              <a:ea typeface="微軟正黑體" pitchFamily="34" charset="-120"/>
+            </a:endParaRPr>
+          </a:p>
+        </p:txBody>
+      </p:sp>
+      <p:sp>
+        <p:nvSpPr>
+          <p:cNvPr id="3" name="TextBox 2"/>
+          <p:cNvSpPr txBox="1"/>
+          <p:nvPr/>
+        </p:nvSpPr>
+        <p:spPr>
+          <a:xfrm>
+            <a:off x="0" y="5061182"/>
+            <a:ext cx="12192000" cy="830997"/>
+          </a:xfrm>
+          <a:prstGeom prst="rect">
+            <a:avLst/>
+          </a:prstGeom>
+          <a:noFill/>
+        </p:spPr>
+        <p:txBody>
+          <a:bodyPr wrap="square" rtlCol="0">
+            <a:spAutoFit/>
+          </a:bodyPr>
+          <a:lstStyle/>
+          <a:p>
+            <a:pPr algn="ctr"/>
+            <a:r>
+              <a:rPr lang="en-US" sz="4800" b="1" dirty="0">
+                <a:solidFill>
+                  <a:srgbClr val="660033"/>
+                </a:solidFill>
+              </a:rPr>
+              <a:t>( 3 )</a:t>
+            </a:r>
+            <a:endParaRPr lang="vi-VN" sz="4800" b="1" dirty="0">
+              <a:solidFill>
+                <a:srgbClr val="660033"/>
+              </a:solidFill>
+            </a:endParaRPr>
+          </a:p>
+        </p:txBody>
+      </p:sp>
+    </p:spTree>
+    <p:extLst>
+      <p:ext uri="{BB962C8B-B14F-4D97-AF65-F5344CB8AC3E}">
+        <p14:creationId xmlns:p14="http://schemas.microsoft.com/office/powerpoint/2010/main" val="3516403597"/>
+      </p:ext>
+    </p:extLst>
+  </p:cSld>
+  <p:clrMapOvr>
+    <a:masterClrMapping/>
+  </p:clrMapOvr>
+  <p:timing>
+    <p:tnLst>
+      <p:par>
+        <p:cTn id="1" dur="indefinite" restart="never" nodeType="tmRoot"/>
+      </p:par>
+    </p:tnLst>
+  </p:timing>
+</p:sld>
+</file>
+
+<file path=ppt/slides/slide13.xml><?xml version="1.0" encoding="utf-8"?>
+<p:sld xmlns:a="http://schemas.openxmlformats.org/drawingml/2006/main" xmlns:r="http://schemas.openxmlformats.org/officeDocument/2006/relationships" xmlns:p="http://schemas.openxmlformats.org/presentationml/2006/main">
+  <p:cSld>
+    <p:spTree>
+      <p:nvGrpSpPr>
+        <p:cNvPr id="1" name=""/>
+        <p:cNvGrpSpPr/>
+        <p:nvPr/>
+      </p:nvGrpSpPr>
+      <p:grpSpPr>
+        <a:xfrm>
+          <a:off x="0" y="0"/>
+          <a:ext cx="0" cy="0"/>
+          <a:chOff x="0" y="0"/>
+          <a:chExt cx="0" cy="0"/>
+        </a:xfrm>
+      </p:grpSpPr>
+      <p:sp>
+        <p:nvSpPr>
+          <p:cNvPr id="5" name="內容版面配置區 4"/>
+          <p:cNvSpPr>
+            <a:spLocks noGrp="1"/>
+          </p:cNvSpPr>
+          <p:nvPr>
+            <p:ph idx="1"/>
+          </p:nvPr>
+        </p:nvSpPr>
+        <p:spPr>
+          <a:xfrm>
+            <a:off x="0" y="2084851"/>
+            <a:ext cx="12192000" cy="2404863"/>
+          </a:xfrm>
+        </p:spPr>
+        <p:txBody>
+          <a:bodyPr anchor="ctr">
+            <a:normAutofit/>
+          </a:bodyPr>
+          <a:lstStyle/>
+          <a:p>
+            <a:pPr algn="ctr">
+              <a:buNone/>
+            </a:pPr>
+            <a:r>
+              <a:rPr lang="zh-CN" altLang="en-US" sz="6400" b="1" dirty="0">
+                <a:solidFill>
+                  <a:srgbClr val="660033"/>
+                </a:solidFill>
+                <a:latin typeface="微軟正黑體" pitchFamily="34" charset="-120"/>
+                <a:ea typeface="微軟正黑體" pitchFamily="34" charset="-120"/>
+              </a:rPr>
+              <a:t>凡事相商大家無衝突</a:t>
+            </a:r>
+            <a:endParaRPr lang="en-US" altLang="zh-CN" sz="6400" b="1" dirty="0">
+              <a:solidFill>
+                <a:srgbClr val="660033"/>
+              </a:solidFill>
+              <a:latin typeface="微軟正黑體" pitchFamily="34" charset="-120"/>
+              <a:ea typeface="微軟正黑體" pitchFamily="34" charset="-120"/>
+            </a:endParaRPr>
+          </a:p>
+          <a:p>
+            <a:pPr algn="ctr">
+              <a:buNone/>
+            </a:pPr>
+            <a:r>
+              <a:rPr lang="zh-CN" altLang="en-US" sz="6400" b="1" dirty="0">
+                <a:solidFill>
+                  <a:srgbClr val="660033"/>
+                </a:solidFill>
+                <a:latin typeface="微軟正黑體" pitchFamily="34" charset="-120"/>
+                <a:ea typeface="微軟正黑體" pitchFamily="34" charset="-120"/>
+              </a:rPr>
+              <a:t>家庭要和睦</a:t>
+            </a:r>
+            <a:endParaRPr lang="zh-TW" altLang="en-US" sz="6400" b="1" dirty="0">
+              <a:solidFill>
+                <a:srgbClr val="660033"/>
+              </a:solidFill>
+              <a:latin typeface="微軟正黑體" pitchFamily="34" charset="-120"/>
+              <a:ea typeface="微軟正黑體" pitchFamily="34" charset="-120"/>
+            </a:endParaRPr>
+          </a:p>
+        </p:txBody>
+      </p:sp>
+      <p:sp>
+        <p:nvSpPr>
+          <p:cNvPr id="3" name="TextBox 2"/>
+          <p:cNvSpPr txBox="1"/>
+          <p:nvPr/>
+        </p:nvSpPr>
+        <p:spPr>
+          <a:xfrm>
+            <a:off x="0" y="5061182"/>
+            <a:ext cx="12192000" cy="830997"/>
+          </a:xfrm>
+          <a:prstGeom prst="rect">
+            <a:avLst/>
+          </a:prstGeom>
+          <a:noFill/>
+        </p:spPr>
+        <p:txBody>
+          <a:bodyPr wrap="square" rtlCol="0">
+            <a:spAutoFit/>
+          </a:bodyPr>
+          <a:lstStyle/>
+          <a:p>
+            <a:pPr algn="ctr"/>
+            <a:r>
+              <a:rPr lang="en-US" sz="4800" b="1" dirty="0">
+                <a:solidFill>
+                  <a:srgbClr val="660033"/>
+                </a:solidFill>
+              </a:rPr>
+              <a:t>( 3 )</a:t>
+            </a:r>
+            <a:endParaRPr lang="vi-VN" sz="4800" b="1" dirty="0">
+              <a:solidFill>
+                <a:srgbClr val="660033"/>
+              </a:solidFill>
+            </a:endParaRPr>
+          </a:p>
+        </p:txBody>
+      </p:sp>
+    </p:spTree>
+    <p:extLst>
+      <p:ext uri="{BB962C8B-B14F-4D97-AF65-F5344CB8AC3E}">
+        <p14:creationId xmlns:p14="http://schemas.microsoft.com/office/powerpoint/2010/main" val="2913450147"/>
+      </p:ext>
+    </p:extLst>
+  </p:cSld>
+  <p:clrMapOvr>
+    <a:masterClrMapping/>
+  </p:clrMapOvr>
+  <p:timing>
+    <p:tnLst>
+      <p:par>
+        <p:cTn id="1" dur="indefinite" restart="never" nodeType="tmRoot"/>
+      </p:par>
+    </p:tnLst>
+  </p:timing>
+</p:sld>
+</file>
+
+<file path=ppt/slides/slide14.xml><?xml version="1.0" encoding="utf-8"?>
+<p:sld xmlns:a="http://schemas.openxmlformats.org/drawingml/2006/main" xmlns:r="http://schemas.openxmlformats.org/officeDocument/2006/relationships" xmlns:p="http://schemas.openxmlformats.org/presentationml/2006/main">
+  <p:cSld>
+    <p:spTree>
+      <p:nvGrpSpPr>
+        <p:cNvPr id="1" name=""/>
+        <p:cNvGrpSpPr/>
+        <p:nvPr/>
+      </p:nvGrpSpPr>
+      <p:grpSpPr>
+        <a:xfrm>
+          <a:off x="0" y="0"/>
+          <a:ext cx="0" cy="0"/>
+          <a:chOff x="0" y="0"/>
+          <a:chExt cx="0" cy="0"/>
+        </a:xfrm>
+      </p:grpSpPr>
+      <p:sp>
+        <p:nvSpPr>
+          <p:cNvPr id="5" name="內容版面配置區 4"/>
+          <p:cNvSpPr>
+            <a:spLocks noGrp="1"/>
+          </p:cNvSpPr>
+          <p:nvPr>
+            <p:ph idx="1"/>
+          </p:nvPr>
+        </p:nvSpPr>
+        <p:spPr>
+          <a:xfrm>
+            <a:off x="0" y="2084851"/>
+            <a:ext cx="12192000" cy="2404863"/>
+          </a:xfrm>
+        </p:spPr>
+        <p:txBody>
+          <a:bodyPr anchor="ctr">
+            <a:normAutofit/>
+          </a:bodyPr>
+          <a:lstStyle/>
+          <a:p>
+            <a:pPr algn="ctr">
+              <a:buNone/>
+            </a:pPr>
+            <a:r>
+              <a:rPr lang="zh-CN" altLang="en-US" sz="6400" b="1" dirty="0">
+                <a:solidFill>
+                  <a:srgbClr val="660033"/>
+                </a:solidFill>
+                <a:latin typeface="微軟正黑體" pitchFamily="34" charset="-120"/>
+                <a:ea typeface="微軟正黑體" pitchFamily="34" charset="-120"/>
+              </a:rPr>
+              <a:t>基督門徒家庭要和睦</a:t>
+            </a:r>
+            <a:endParaRPr lang="en-US" altLang="zh-CN" sz="6400" b="1" dirty="0">
+              <a:solidFill>
+                <a:srgbClr val="660033"/>
+              </a:solidFill>
+              <a:latin typeface="微軟正黑體" pitchFamily="34" charset="-120"/>
+              <a:ea typeface="微軟正黑體" pitchFamily="34" charset="-120"/>
+            </a:endParaRPr>
+          </a:p>
+          <a:p>
+            <a:pPr algn="ctr">
+              <a:buNone/>
+            </a:pPr>
+            <a:r>
+              <a:rPr lang="zh-CN" altLang="en-US" sz="6400" b="1" dirty="0">
+                <a:solidFill>
+                  <a:srgbClr val="660033"/>
+                </a:solidFill>
+                <a:latin typeface="微軟正黑體" pitchFamily="34" charset="-120"/>
+                <a:ea typeface="微軟正黑體" pitchFamily="34" charset="-120"/>
+              </a:rPr>
+              <a:t>真善真美猶如郇山露</a:t>
+            </a:r>
+            <a:endParaRPr lang="en-US" altLang="zh-CN" sz="6400" b="1" dirty="0">
+              <a:solidFill>
+                <a:srgbClr val="660033"/>
+              </a:solidFill>
+              <a:latin typeface="微軟正黑體" pitchFamily="34" charset="-120"/>
+              <a:ea typeface="微軟正黑體" pitchFamily="34" charset="-120"/>
+            </a:endParaRPr>
+          </a:p>
+        </p:txBody>
+      </p:sp>
+      <p:sp>
+        <p:nvSpPr>
+          <p:cNvPr id="3" name="TextBox 2"/>
+          <p:cNvSpPr txBox="1"/>
+          <p:nvPr/>
+        </p:nvSpPr>
+        <p:spPr>
+          <a:xfrm>
+            <a:off x="0" y="5061182"/>
+            <a:ext cx="12192000" cy="830997"/>
+          </a:xfrm>
+          <a:prstGeom prst="rect">
+            <a:avLst/>
+          </a:prstGeom>
+          <a:noFill/>
+        </p:spPr>
+        <p:txBody>
+          <a:bodyPr wrap="square" rtlCol="0">
+            <a:spAutoFit/>
+          </a:bodyPr>
+          <a:lstStyle/>
+          <a:p>
+            <a:pPr algn="ctr"/>
+            <a:r>
+              <a:rPr lang="en-US" sz="4800" b="1" dirty="0">
+                <a:solidFill>
+                  <a:srgbClr val="660033"/>
+                </a:solidFill>
+              </a:rPr>
+              <a:t>( 4 )</a:t>
+            </a:r>
+            <a:endParaRPr lang="vi-VN" sz="4800" b="1" dirty="0">
+              <a:solidFill>
+                <a:srgbClr val="660033"/>
+              </a:solidFill>
+            </a:endParaRPr>
+          </a:p>
+        </p:txBody>
+      </p:sp>
+    </p:spTree>
+    <p:extLst>
+      <p:ext uri="{BB962C8B-B14F-4D97-AF65-F5344CB8AC3E}">
+        <p14:creationId xmlns:p14="http://schemas.microsoft.com/office/powerpoint/2010/main" val="3230231393"/>
+      </p:ext>
+    </p:extLst>
+  </p:cSld>
+  <p:clrMapOvr>
+    <a:masterClrMapping/>
+  </p:clrMapOvr>
+  <p:timing>
+    <p:tnLst>
+      <p:par>
+        <p:cTn id="1" dur="indefinite" restart="never" nodeType="tmRoot"/>
+      </p:par>
+    </p:tnLst>
+  </p:timing>
+</p:sld>
+</file>
+
+<file path=ppt/slides/slide15.xml><?xml version="1.0" encoding="utf-8"?>
+<p:sld xmlns:a="http://schemas.openxmlformats.org/drawingml/2006/main" xmlns:r="http://schemas.openxmlformats.org/officeDocument/2006/relationships" xmlns:p="http://schemas.openxmlformats.org/presentationml/2006/main">
+  <p:cSld>
+    <p:spTree>
+      <p:nvGrpSpPr>
+        <p:cNvPr id="1" name=""/>
+        <p:cNvGrpSpPr/>
+        <p:nvPr/>
+      </p:nvGrpSpPr>
+      <p:grpSpPr>
+        <a:xfrm>
+          <a:off x="0" y="0"/>
+          <a:ext cx="0" cy="0"/>
+          <a:chOff x="0" y="0"/>
+          <a:chExt cx="0" cy="0"/>
+        </a:xfrm>
+      </p:grpSpPr>
+      <p:sp>
+        <p:nvSpPr>
+          <p:cNvPr id="5" name="內容版面配置區 4"/>
+          <p:cNvSpPr>
+            <a:spLocks noGrp="1"/>
+          </p:cNvSpPr>
+          <p:nvPr>
+            <p:ph idx="1"/>
+          </p:nvPr>
+        </p:nvSpPr>
+        <p:spPr>
+          <a:xfrm>
+            <a:off x="0" y="2084851"/>
+            <a:ext cx="12192000" cy="2404863"/>
+          </a:xfrm>
+        </p:spPr>
+        <p:txBody>
+          <a:bodyPr anchor="ctr">
+            <a:normAutofit/>
+          </a:bodyPr>
+          <a:lstStyle/>
+          <a:p>
+            <a:pPr algn="ctr">
+              <a:buNone/>
+            </a:pPr>
+            <a:r>
+              <a:rPr lang="zh-CN" altLang="en-US" sz="6400" b="1" dirty="0">
+                <a:solidFill>
+                  <a:srgbClr val="660033"/>
+                </a:solidFill>
+                <a:latin typeface="微軟正黑體" pitchFamily="34" charset="-120"/>
+                <a:ea typeface="微軟正黑體" pitchFamily="34" charset="-120"/>
+              </a:rPr>
+              <a:t>合家老少效法主耶穌</a:t>
+            </a:r>
+            <a:endParaRPr lang="en-US" altLang="zh-CN" sz="6400" b="1" dirty="0">
+              <a:solidFill>
+                <a:srgbClr val="660033"/>
+              </a:solidFill>
+              <a:latin typeface="微軟正黑體" pitchFamily="34" charset="-120"/>
+              <a:ea typeface="微軟正黑體" pitchFamily="34" charset="-120"/>
+            </a:endParaRPr>
+          </a:p>
+          <a:p>
+            <a:pPr algn="ctr">
+              <a:buNone/>
+            </a:pPr>
+            <a:r>
+              <a:rPr lang="zh-CN" altLang="en-US" sz="6400" b="1" dirty="0">
+                <a:solidFill>
+                  <a:srgbClr val="660033"/>
+                </a:solidFill>
+                <a:latin typeface="微軟正黑體" pitchFamily="34" charset="-120"/>
+                <a:ea typeface="微軟正黑體" pitchFamily="34" charset="-120"/>
+              </a:rPr>
+              <a:t>家庭要和睦</a:t>
+            </a:r>
+            <a:endParaRPr lang="zh-TW" altLang="en-US" sz="6400" b="1" dirty="0">
+              <a:solidFill>
+                <a:srgbClr val="660033"/>
+              </a:solidFill>
+              <a:latin typeface="微軟正黑體" pitchFamily="34" charset="-120"/>
+              <a:ea typeface="微軟正黑體" pitchFamily="34" charset="-120"/>
+            </a:endParaRPr>
+          </a:p>
+        </p:txBody>
+      </p:sp>
+      <p:sp>
+        <p:nvSpPr>
+          <p:cNvPr id="3" name="TextBox 2"/>
+          <p:cNvSpPr txBox="1"/>
+          <p:nvPr/>
+        </p:nvSpPr>
+        <p:spPr>
+          <a:xfrm>
+            <a:off x="0" y="5061182"/>
+            <a:ext cx="12192000" cy="830997"/>
+          </a:xfrm>
+          <a:prstGeom prst="rect">
+            <a:avLst/>
+          </a:prstGeom>
+          <a:noFill/>
+        </p:spPr>
+        <p:txBody>
+          <a:bodyPr wrap="square" rtlCol="0">
+            <a:spAutoFit/>
+          </a:bodyPr>
+          <a:lstStyle/>
+          <a:p>
+            <a:pPr algn="ctr"/>
+            <a:r>
+              <a:rPr lang="en-US" sz="4800" b="1" dirty="0">
+                <a:solidFill>
+                  <a:srgbClr val="660033"/>
+                </a:solidFill>
+              </a:rPr>
+              <a:t>( 4 )</a:t>
+            </a:r>
+            <a:endParaRPr lang="vi-VN" sz="4800" b="1" dirty="0">
+              <a:solidFill>
+                <a:srgbClr val="660033"/>
+              </a:solidFill>
+            </a:endParaRPr>
+          </a:p>
+        </p:txBody>
+      </p:sp>
+    </p:spTree>
+    <p:extLst>
+      <p:ext uri="{BB962C8B-B14F-4D97-AF65-F5344CB8AC3E}">
+        <p14:creationId xmlns:p14="http://schemas.microsoft.com/office/powerpoint/2010/main" val="2815120515"/>
+      </p:ext>
+    </p:extLst>
+  </p:cSld>
+  <p:clrMapOvr>
+    <a:masterClrMapping/>
+  </p:clrMapOvr>
+  <p:timing>
+    <p:tnLst>
+      <p:par>
+        <p:cTn id="1" dur="indefinite" restart="never" nodeType="tmRoot"/>
+      </p:par>
+    </p:tnLst>
+  </p:timing>
+</p:sld>
+</file>
+
+<file path=ppt/slides/slide16.xml><?xml version="1.0" encoding="utf-8"?>
+<p:sld xmlns:a="http://schemas.openxmlformats.org/drawingml/2006/main" xmlns:r="http://schemas.openxmlformats.org/officeDocument/2006/relationships" xmlns:p="http://schemas.openxmlformats.org/presentationml/2006/main">
+  <p:cSld>
+    <p:spTree>
+      <p:nvGrpSpPr>
+        <p:cNvPr id="1" name=""/>
+        <p:cNvGrpSpPr/>
+        <p:nvPr/>
+      </p:nvGrpSpPr>
+      <p:grpSpPr>
+        <a:xfrm>
+          <a:off x="0" y="0"/>
+          <a:ext cx="0" cy="0"/>
+          <a:chOff x="0" y="0"/>
+          <a:chExt cx="0" cy="0"/>
+        </a:xfrm>
+      </p:grpSpPr>
+      <p:sp>
+        <p:nvSpPr>
+          <p:cNvPr id="5" name="內容版面配置區 4"/>
+          <p:cNvSpPr>
+            <a:spLocks noGrp="1"/>
+          </p:cNvSpPr>
+          <p:nvPr>
+            <p:ph idx="1"/>
+          </p:nvPr>
+        </p:nvSpPr>
+        <p:spPr>
+          <a:xfrm>
+            <a:off x="0" y="2084851"/>
+            <a:ext cx="12192000" cy="2404863"/>
+          </a:xfrm>
+        </p:spPr>
+        <p:txBody>
+          <a:bodyPr anchor="ctr">
+            <a:normAutofit/>
+          </a:bodyPr>
+          <a:lstStyle/>
+          <a:p>
+            <a:pPr algn="ctr">
+              <a:buNone/>
+            </a:pPr>
+            <a:r>
+              <a:rPr lang="zh-CN" altLang="en-US" sz="6400" b="1" dirty="0">
+                <a:solidFill>
+                  <a:srgbClr val="660033"/>
+                </a:solidFill>
+                <a:latin typeface="微軟正黑體" pitchFamily="34" charset="-120"/>
+                <a:ea typeface="微軟正黑體" pitchFamily="34" charset="-120"/>
+              </a:rPr>
+              <a:t>家庭要和睦  </a:t>
+            </a:r>
+            <a:endParaRPr lang="en-US" altLang="zh-CN" sz="6400" b="1" dirty="0">
+              <a:solidFill>
+                <a:srgbClr val="660033"/>
+              </a:solidFill>
+              <a:latin typeface="微軟正黑體" pitchFamily="34" charset="-120"/>
+              <a:ea typeface="微軟正黑體" pitchFamily="34" charset="-120"/>
+            </a:endParaRPr>
+          </a:p>
+          <a:p>
+            <a:pPr algn="ctr">
+              <a:buNone/>
+            </a:pPr>
+            <a:r>
+              <a:rPr lang="zh-CN" altLang="en-US" sz="6400" b="1" dirty="0">
+                <a:solidFill>
+                  <a:srgbClr val="660033"/>
+                </a:solidFill>
+                <a:latin typeface="微軟正黑體" pitchFamily="34" charset="-120"/>
+                <a:ea typeface="微軟正黑體" pitchFamily="34" charset="-120"/>
+              </a:rPr>
+              <a:t>家庭要和睦</a:t>
+            </a:r>
+            <a:endParaRPr lang="zh-TW" altLang="en-US" sz="6400" b="1" dirty="0">
+              <a:solidFill>
+                <a:srgbClr val="660033"/>
+              </a:solidFill>
+              <a:latin typeface="微軟正黑體" pitchFamily="34" charset="-120"/>
+              <a:ea typeface="微軟正黑體" pitchFamily="34" charset="-120"/>
+            </a:endParaRPr>
+          </a:p>
+        </p:txBody>
+      </p:sp>
+      <p:sp>
+        <p:nvSpPr>
+          <p:cNvPr id="3" name="TextBox 2"/>
+          <p:cNvSpPr txBox="1"/>
+          <p:nvPr/>
+        </p:nvSpPr>
+        <p:spPr>
+          <a:xfrm>
+            <a:off x="0" y="5061182"/>
+            <a:ext cx="12192000" cy="830997"/>
+          </a:xfrm>
+          <a:prstGeom prst="rect">
+            <a:avLst/>
+          </a:prstGeom>
+          <a:noFill/>
+        </p:spPr>
+        <p:txBody>
+          <a:bodyPr wrap="square" rtlCol="0">
+            <a:spAutoFit/>
+          </a:bodyPr>
+          <a:lstStyle/>
+          <a:p>
+            <a:pPr algn="ctr"/>
+            <a:r>
+              <a:rPr lang="en-US" sz="4800" b="1" dirty="0">
+                <a:solidFill>
+                  <a:srgbClr val="660033"/>
+                </a:solidFill>
+              </a:rPr>
+              <a:t>( 4 )</a:t>
+            </a:r>
+            <a:endParaRPr lang="vi-VN" sz="4800" b="1" dirty="0">
+              <a:solidFill>
+                <a:srgbClr val="660033"/>
+              </a:solidFill>
+            </a:endParaRPr>
+          </a:p>
+        </p:txBody>
+      </p:sp>
+    </p:spTree>
+    <p:extLst>
+      <p:ext uri="{BB962C8B-B14F-4D97-AF65-F5344CB8AC3E}">
+        <p14:creationId xmlns:p14="http://schemas.microsoft.com/office/powerpoint/2010/main" val="1096628039"/>
+      </p:ext>
+    </p:extLst>
+  </p:cSld>
+  <p:clrMapOvr>
+    <a:masterClrMapping/>
+  </p:clrMapOvr>
+  <p:timing>
+    <p:tnLst>
+      <p:par>
+        <p:cTn id="1" dur="indefinite" restart="never" nodeType="tmRoot"/>
+      </p:par>
+    </p:tnLst>
+  </p:timing>
+</p:sld>
+</file>
+
+<file path=ppt/slides/slide17.xml><?xml version="1.0" encoding="utf-8"?>
+<p:sld xmlns:a="http://schemas.openxmlformats.org/drawingml/2006/main" xmlns:r="http://schemas.openxmlformats.org/officeDocument/2006/relationships" xmlns:p="http://schemas.openxmlformats.org/presentationml/2006/main">
+  <p:cSld>
+    <p:spTree>
+      <p:nvGrpSpPr>
+        <p:cNvPr id="1" name=""/>
+        <p:cNvGrpSpPr/>
+        <p:nvPr/>
+      </p:nvGrpSpPr>
+      <p:grpSpPr>
+        <a:xfrm>
+          <a:off x="0" y="0"/>
+          <a:ext cx="0" cy="0"/>
+          <a:chOff x="0" y="0"/>
+          <a:chExt cx="0" cy="0"/>
+        </a:xfrm>
+      </p:grpSpPr>
+      <p:sp>
+        <p:nvSpPr>
+          <p:cNvPr id="5" name="內容版面配置區 4"/>
+          <p:cNvSpPr>
+            <a:spLocks noGrp="1"/>
+          </p:cNvSpPr>
+          <p:nvPr>
+            <p:ph idx="1"/>
+          </p:nvPr>
+        </p:nvSpPr>
+        <p:spPr>
+          <a:xfrm>
+            <a:off x="0" y="2084851"/>
+            <a:ext cx="12192000" cy="2404863"/>
+          </a:xfrm>
+        </p:spPr>
+        <p:txBody>
+          <a:bodyPr anchor="ctr">
+            <a:normAutofit/>
+          </a:bodyPr>
+          <a:lstStyle/>
+          <a:p>
+            <a:pPr algn="ctr">
+              <a:buNone/>
+            </a:pPr>
+            <a:r>
+              <a:rPr lang="zh-CN" altLang="en-US" sz="6400" b="1" dirty="0">
+                <a:solidFill>
+                  <a:srgbClr val="660033"/>
+                </a:solidFill>
+                <a:latin typeface="微軟正黑體" pitchFamily="34" charset="-120"/>
+                <a:ea typeface="微軟正黑體" pitchFamily="34" charset="-120"/>
+              </a:rPr>
+              <a:t>預備他年得享天堂福</a:t>
+            </a:r>
+            <a:endParaRPr lang="en-US" altLang="zh-CN" sz="6400" b="1" dirty="0">
+              <a:solidFill>
+                <a:srgbClr val="660033"/>
+              </a:solidFill>
+              <a:latin typeface="微軟正黑體" pitchFamily="34" charset="-120"/>
+              <a:ea typeface="微軟正黑體" pitchFamily="34" charset="-120"/>
+            </a:endParaRPr>
+          </a:p>
+          <a:p>
+            <a:pPr algn="ctr">
+              <a:buNone/>
+            </a:pPr>
+            <a:r>
+              <a:rPr lang="zh-CN" altLang="en-US" sz="6400" b="1" dirty="0">
+                <a:solidFill>
+                  <a:srgbClr val="660033"/>
+                </a:solidFill>
+                <a:latin typeface="微軟正黑體" pitchFamily="34" charset="-120"/>
+                <a:ea typeface="微軟正黑體" pitchFamily="34" charset="-120"/>
+              </a:rPr>
+              <a:t>家庭要和睦</a:t>
+            </a:r>
+            <a:endParaRPr lang="zh-TW" altLang="en-US" sz="6400" b="1" dirty="0">
+              <a:solidFill>
+                <a:srgbClr val="660033"/>
+              </a:solidFill>
+              <a:latin typeface="微軟正黑體" pitchFamily="34" charset="-120"/>
+              <a:ea typeface="微軟正黑體" pitchFamily="34" charset="-120"/>
+            </a:endParaRPr>
+          </a:p>
+        </p:txBody>
+      </p:sp>
+      <p:sp>
+        <p:nvSpPr>
+          <p:cNvPr id="3" name="TextBox 2"/>
+          <p:cNvSpPr txBox="1"/>
+          <p:nvPr/>
+        </p:nvSpPr>
+        <p:spPr>
+          <a:xfrm>
+            <a:off x="0" y="5061182"/>
+            <a:ext cx="12192000" cy="830997"/>
+          </a:xfrm>
+          <a:prstGeom prst="rect">
+            <a:avLst/>
+          </a:prstGeom>
+          <a:noFill/>
+        </p:spPr>
+        <p:txBody>
+          <a:bodyPr wrap="square" rtlCol="0">
+            <a:spAutoFit/>
+          </a:bodyPr>
+          <a:lstStyle/>
+          <a:p>
+            <a:pPr algn="ctr"/>
+            <a:r>
+              <a:rPr lang="en-US" sz="4800" b="1" dirty="0">
+                <a:solidFill>
+                  <a:srgbClr val="660033"/>
+                </a:solidFill>
+              </a:rPr>
+              <a:t>( 4 )</a:t>
+            </a:r>
+            <a:endParaRPr lang="vi-VN" sz="4800" b="1" dirty="0">
+              <a:solidFill>
+                <a:srgbClr val="660033"/>
+              </a:solidFill>
+            </a:endParaRPr>
+          </a:p>
+        </p:txBody>
+      </p:sp>
+    </p:spTree>
+    <p:extLst>
+      <p:ext uri="{BB962C8B-B14F-4D97-AF65-F5344CB8AC3E}">
+        <p14:creationId xmlns:p14="http://schemas.microsoft.com/office/powerpoint/2010/main" val="3541497288"/>
+      </p:ext>
+    </p:extLst>
+  </p:cSld>
+  <p:clrMapOvr>
+    <a:masterClrMapping/>
+  </p:clrMapOvr>
+  <p:timing>
+    <p:tnLst>
+      <p:par>
+        <p:cTn id="1" dur="indefinite" restart="never" nodeType="tmRoot"/>
+      </p:par>
+    </p:tnLst>
+  </p:timing>
 </p:sld>
 </file>
 
@@ -3275,135 +4399,81 @@
       </p:grpSpPr>
       <p:sp>
         <p:nvSpPr>
-          <p:cNvPr id="4" name="標題 3"/>
-          <p:cNvSpPr>
-            <a:spLocks noGrp="1"/>
-          </p:cNvSpPr>
-          <p:nvPr>
-            <p:ph type="title"/>
-          </p:nvPr>
-        </p:nvSpPr>
-        <p:spPr/>
-        <p:txBody>
-          <a:bodyPr>
+          <p:cNvPr id="5" name="內容版面配置區 4"/>
+          <p:cNvSpPr>
+            <a:spLocks noGrp="1"/>
+          </p:cNvSpPr>
+          <p:nvPr>
+            <p:ph idx="1"/>
+          </p:nvPr>
+        </p:nvSpPr>
+        <p:spPr>
+          <a:xfrm>
+            <a:off x="0" y="2084851"/>
+            <a:ext cx="12192000" cy="2404863"/>
+          </a:xfrm>
+        </p:spPr>
+        <p:txBody>
+          <a:bodyPr anchor="ctr">
             <a:normAutofit/>
           </a:bodyPr>
           <a:lstStyle/>
           <a:p>
-            <a:r>
-              <a:rPr lang="zh-CN" altLang="en-US" sz="4800" b="1" dirty="0">
-                <a:solidFill>
-                  <a:srgbClr val="000066"/>
+            <a:pPr algn="ctr">
+              <a:buNone/>
+            </a:pPr>
+            <a:r>
+              <a:rPr lang="zh-CN" altLang="en-US" sz="6400" b="1" dirty="0">
+                <a:solidFill>
+                  <a:srgbClr val="660033"/>
                 </a:solidFill>
                 <a:latin typeface="微軟正黑體" pitchFamily="34" charset="-120"/>
                 <a:ea typeface="微軟正黑體" pitchFamily="34" charset="-120"/>
               </a:rPr>
-              <a:t>基督化家庭</a:t>
-            </a:r>
-            <a:endParaRPr lang="zh-TW" altLang="en-US" sz="4800" b="1" dirty="0">
+              <a:t>基督門徒家庭要和睦</a:t>
+            </a:r>
+            <a:endParaRPr lang="en-US" altLang="zh-CN" sz="6400" b="1" dirty="0">
               <a:solidFill>
-                <a:srgbClr val="000066"/>
+                <a:srgbClr val="660033"/>
               </a:solidFill>
               <a:latin typeface="微軟正黑體" pitchFamily="34" charset="-120"/>
               <a:ea typeface="微軟正黑體" pitchFamily="34" charset="-120"/>
             </a:endParaRPr>
           </a:p>
-        </p:txBody>
-      </p:sp>
-      <p:sp>
-        <p:nvSpPr>
-          <p:cNvPr id="5" name="內容版面配置區 4"/>
-          <p:cNvSpPr>
-            <a:spLocks noGrp="1"/>
-          </p:cNvSpPr>
-          <p:nvPr>
-            <p:ph idx="1"/>
-          </p:nvPr>
-        </p:nvSpPr>
-        <p:spPr/>
-        <p:txBody>
-          <a:bodyPr>
-            <a:normAutofit/>
-          </a:bodyPr>
-          <a:lstStyle/>
           <a:p>
             <a:pPr algn="ctr">
               <a:buNone/>
             </a:pPr>
             <a:r>
-              <a:rPr lang="zh-CN" altLang="en-US" sz="5400" b="1" dirty="0">
-                <a:solidFill>
-                  <a:srgbClr val="000066"/>
+              <a:rPr lang="zh-CN" altLang="en-US" sz="6400" b="1" dirty="0">
+                <a:solidFill>
+                  <a:srgbClr val="660033"/>
                 </a:solidFill>
                 <a:latin typeface="微軟正黑體" pitchFamily="34" charset="-120"/>
                 <a:ea typeface="微軟正黑體" pitchFamily="34" charset="-120"/>
               </a:rPr>
-              <a:t>家庭要和睦  家庭要和睦</a:t>
-            </a:r>
-            <a:endParaRPr lang="zh-TW" altLang="en-US" sz="5400" b="1" dirty="0">
+              <a:t>父慈子孝夫妻無反目</a:t>
+            </a:r>
+            <a:endParaRPr lang="en-US" altLang="zh-CN" sz="6400" b="1" dirty="0">
               <a:solidFill>
-                <a:srgbClr val="000066"/>
+                <a:srgbClr val="660033"/>
               </a:solidFill>
               <a:latin typeface="微軟正黑體" pitchFamily="34" charset="-120"/>
               <a:ea typeface="微軟正黑體" pitchFamily="34" charset="-120"/>
             </a:endParaRPr>
           </a:p>
-          <a:p>
-            <a:pPr algn="ctr">
-              <a:buNone/>
-            </a:pPr>
-            <a:r>
-              <a:rPr lang="zh-CN" altLang="en-US" sz="5400" b="1" dirty="0">
-                <a:solidFill>
-                  <a:srgbClr val="000066"/>
-                </a:solidFill>
-                <a:latin typeface="微軟正黑體" pitchFamily="34" charset="-120"/>
-                <a:ea typeface="微軟正黑體" pitchFamily="34" charset="-120"/>
-              </a:rPr>
-              <a:t>合家相愛合家有真福</a:t>
-            </a:r>
-            <a:endParaRPr lang="en-US" altLang="zh-CN" sz="5400" b="1" dirty="0">
-              <a:solidFill>
-                <a:srgbClr val="000066"/>
-              </a:solidFill>
-              <a:latin typeface="微軟正黑體" pitchFamily="34" charset="-120"/>
-              <a:ea typeface="微軟正黑體" pitchFamily="34" charset="-120"/>
-            </a:endParaRPr>
-          </a:p>
-          <a:p>
-            <a:pPr algn="ctr">
-              <a:buNone/>
-            </a:pPr>
-            <a:r>
-              <a:rPr lang="zh-CN" altLang="en-US" sz="5400" b="1" dirty="0">
-                <a:solidFill>
-                  <a:srgbClr val="000066"/>
-                </a:solidFill>
-                <a:latin typeface="微軟正黑體" pitchFamily="34" charset="-120"/>
-                <a:ea typeface="微軟正黑體" pitchFamily="34" charset="-120"/>
-              </a:rPr>
-              <a:t>家庭要和睦</a:t>
-            </a:r>
-            <a:endParaRPr lang="zh-TW" altLang="en-US" sz="5400" b="1" dirty="0">
-              <a:solidFill>
-                <a:srgbClr val="000066"/>
-              </a:solidFill>
-              <a:latin typeface="微軟正黑體" pitchFamily="34" charset="-120"/>
-              <a:ea typeface="微軟正黑體" pitchFamily="34" charset="-120"/>
-            </a:endParaRPr>
-          </a:p>
-        </p:txBody>
-      </p:sp>
-      <p:sp>
-        <p:nvSpPr>
-          <p:cNvPr id="6" name="TextBox 5"/>
+        </p:txBody>
+      </p:sp>
+      <p:sp>
+        <p:nvSpPr>
+          <p:cNvPr id="3" name="TextBox 2"/>
           <p:cNvSpPr txBox="1"/>
           <p:nvPr/>
         </p:nvSpPr>
         <p:spPr>
           <a:xfrm>
-            <a:off x="911424" y="1700808"/>
-            <a:ext cx="1008112" cy="830997"/>
+            <a:off x="0" y="5061182"/>
+            <a:ext cx="12192000" cy="830997"/>
           </a:xfrm>
           <a:prstGeom prst="rect">
             <a:avLst/>
@@ -3416,27 +4486,40 @@
           </a:bodyPr>
           <a:lstStyle/>
           <a:p>
-            <a:r>
-              <a:rPr lang="en-US" sz="4800" b="1" dirty="0" smtClean="0">
-                <a:solidFill>
-                  <a:srgbClr val="000066"/>
+            <a:pPr algn="ctr"/>
+            <a:r>
+              <a:rPr lang="en-US" sz="4800" b="1" dirty="0">
+                <a:solidFill>
+                  <a:srgbClr val="660033"/>
                 </a:solidFill>
               </a:rPr>
-              <a:t>1.</a:t>
+              <a:t>( 1 )</a:t>
             </a:r>
             <a:endParaRPr lang="vi-VN" sz="4800" b="1" dirty="0">
               <a:solidFill>
-                <a:srgbClr val="000066"/>
+                <a:srgbClr val="660033"/>
               </a:solidFill>
             </a:endParaRPr>
           </a:p>
         </p:txBody>
       </p:sp>
     </p:spTree>
+    <p:extLst>
+      <p:ext uri="{BB962C8B-B14F-4D97-AF65-F5344CB8AC3E}">
+        <p14:creationId xmlns:p14="http://schemas.microsoft.com/office/powerpoint/2010/main" val="2080643494"/>
+      </p:ext>
+    </p:extLst>
   </p:cSld>
   <p:clrMapOvr>
     <a:masterClrMapping/>
   </p:clrMapOvr>
+  <p:timing>
+    <p:tnLst>
+      <p:par>
+        <p:cTn id="1" dur="indefinite" restart="never" nodeType="tmRoot"/>
+      </p:par>
+    </p:tnLst>
+  </p:timing>
 </p:sld>
 </file>
 
@@ -3459,157 +4542,81 @@
       </p:grpSpPr>
       <p:sp>
         <p:nvSpPr>
-          <p:cNvPr id="4" name="標題 3"/>
-          <p:cNvSpPr>
-            <a:spLocks noGrp="1"/>
-          </p:cNvSpPr>
-          <p:nvPr>
-            <p:ph type="title"/>
-          </p:nvPr>
-        </p:nvSpPr>
-        <p:spPr/>
-        <p:txBody>
-          <a:bodyPr>
+          <p:cNvPr id="5" name="內容版面配置區 4"/>
+          <p:cNvSpPr>
+            <a:spLocks noGrp="1"/>
+          </p:cNvSpPr>
+          <p:nvPr>
+            <p:ph idx="1"/>
+          </p:nvPr>
+        </p:nvSpPr>
+        <p:spPr>
+          <a:xfrm>
+            <a:off x="0" y="2084851"/>
+            <a:ext cx="12192000" cy="2404863"/>
+          </a:xfrm>
+        </p:spPr>
+        <p:txBody>
+          <a:bodyPr anchor="ctr">
             <a:normAutofit/>
           </a:bodyPr>
           <a:lstStyle/>
           <a:p>
-            <a:r>
-              <a:rPr lang="zh-CN" altLang="en-US" sz="4800" b="1" dirty="0">
-                <a:solidFill>
-                  <a:srgbClr val="000066"/>
+            <a:pPr algn="ctr">
+              <a:buNone/>
+            </a:pPr>
+            <a:r>
+              <a:rPr lang="zh-CN" altLang="en-US" sz="6400" b="1" dirty="0">
+                <a:solidFill>
+                  <a:srgbClr val="660033"/>
                 </a:solidFill>
                 <a:latin typeface="微軟正黑體" pitchFamily="34" charset="-120"/>
                 <a:ea typeface="微軟正黑體" pitchFamily="34" charset="-120"/>
               </a:rPr>
-              <a:t>基督化家庭</a:t>
-            </a:r>
-            <a:endParaRPr lang="zh-TW" altLang="en-US" sz="4800" b="1" dirty="0">
+              <a:t>兄友弟恭  妯娌情誼篤</a:t>
+            </a:r>
+            <a:endParaRPr lang="en-US" altLang="zh-CN" sz="6400" b="1" dirty="0">
               <a:solidFill>
-                <a:srgbClr val="000066"/>
+                <a:srgbClr val="660033"/>
               </a:solidFill>
               <a:latin typeface="微軟正黑體" pitchFamily="34" charset="-120"/>
               <a:ea typeface="微軟正黑體" pitchFamily="34" charset="-120"/>
             </a:endParaRPr>
           </a:p>
-        </p:txBody>
-      </p:sp>
-      <p:sp>
-        <p:nvSpPr>
-          <p:cNvPr id="5" name="內容版面配置區 4"/>
-          <p:cNvSpPr>
-            <a:spLocks noGrp="1"/>
-          </p:cNvSpPr>
-          <p:nvPr>
-            <p:ph idx="1"/>
-          </p:nvPr>
-        </p:nvSpPr>
-        <p:spPr/>
-        <p:txBody>
-          <a:bodyPr>
-            <a:normAutofit/>
-          </a:bodyPr>
-          <a:lstStyle/>
           <a:p>
             <a:pPr algn="ctr">
               <a:buNone/>
             </a:pPr>
             <a:r>
-              <a:rPr lang="zh-CN" altLang="en-US" sz="5400" b="1" dirty="0">
-                <a:solidFill>
-                  <a:srgbClr val="000066"/>
+              <a:rPr lang="zh-CN" altLang="en-US" sz="6400" b="1" dirty="0">
+                <a:solidFill>
+                  <a:srgbClr val="660033"/>
                 </a:solidFill>
                 <a:latin typeface="微軟正黑體" pitchFamily="34" charset="-120"/>
                 <a:ea typeface="微軟正黑體" pitchFamily="34" charset="-120"/>
               </a:rPr>
-              <a:t>基督門徒家庭要和睦</a:t>
-            </a:r>
-            <a:endParaRPr lang="en-US" altLang="zh-CN" sz="5400" b="1" dirty="0">
+              <a:t>家庭要和睦</a:t>
+            </a:r>
+            <a:endParaRPr lang="zh-TW" altLang="en-US" sz="6400" b="1" dirty="0">
               <a:solidFill>
-                <a:srgbClr val="000066"/>
+                <a:srgbClr val="660033"/>
               </a:solidFill>
               <a:latin typeface="微軟正黑體" pitchFamily="34" charset="-120"/>
               <a:ea typeface="微軟正黑體" pitchFamily="34" charset="-120"/>
             </a:endParaRPr>
           </a:p>
-          <a:p>
-            <a:pPr algn="ctr">
-              <a:buNone/>
-            </a:pPr>
-            <a:r>
-              <a:rPr lang="zh-CN" altLang="en-US" sz="5400" b="1" dirty="0">
-                <a:solidFill>
-                  <a:srgbClr val="000066"/>
-                </a:solidFill>
-                <a:latin typeface="微軟正黑體" pitchFamily="34" charset="-120"/>
-                <a:ea typeface="微軟正黑體" pitchFamily="34" charset="-120"/>
-              </a:rPr>
-              <a:t>同心事主同心走天路</a:t>
-            </a:r>
-            <a:endParaRPr lang="en-US" altLang="zh-CN" sz="5400" b="1" dirty="0">
-              <a:solidFill>
-                <a:srgbClr val="000066"/>
-              </a:solidFill>
-              <a:latin typeface="微軟正黑體" pitchFamily="34" charset="-120"/>
-              <a:ea typeface="微軟正黑體" pitchFamily="34" charset="-120"/>
-            </a:endParaRPr>
-          </a:p>
-          <a:p>
-            <a:pPr algn="ctr">
-              <a:buNone/>
-            </a:pPr>
-            <a:r>
-              <a:rPr lang="zh-CN" altLang="en-US" sz="5400" b="1" dirty="0">
-                <a:solidFill>
-                  <a:srgbClr val="000066"/>
-                </a:solidFill>
-                <a:latin typeface="微軟正黑體" pitchFamily="34" charset="-120"/>
-                <a:ea typeface="微軟正黑體" pitchFamily="34" charset="-120"/>
-              </a:rPr>
-              <a:t>詩歌同唱聖經也同讀</a:t>
-            </a:r>
-            <a:endParaRPr lang="en-US" altLang="zh-CN" sz="5400" b="1" dirty="0">
-              <a:solidFill>
-                <a:srgbClr val="000066"/>
-              </a:solidFill>
-              <a:latin typeface="微軟正黑體" pitchFamily="34" charset="-120"/>
-              <a:ea typeface="微軟正黑體" pitchFamily="34" charset="-120"/>
-            </a:endParaRPr>
-          </a:p>
-          <a:p>
-            <a:pPr algn="ctr">
-              <a:buNone/>
-            </a:pPr>
-            <a:r>
-              <a:rPr lang="zh-CN" altLang="en-US" sz="5400" b="1" dirty="0">
-                <a:solidFill>
-                  <a:srgbClr val="000066"/>
-                </a:solidFill>
-                <a:latin typeface="微軟正黑體" pitchFamily="34" charset="-120"/>
-                <a:ea typeface="微軟正黑體" pitchFamily="34" charset="-120"/>
-              </a:rPr>
-              <a:t>家庭要和睦</a:t>
-            </a:r>
-            <a:endParaRPr lang="zh-TW" altLang="en-US" sz="5400" b="1" dirty="0">
-              <a:solidFill>
-                <a:srgbClr val="000066"/>
-              </a:solidFill>
-              <a:latin typeface="微軟正黑體" pitchFamily="34" charset="-120"/>
-              <a:ea typeface="微軟正黑體" pitchFamily="34" charset="-120"/>
-            </a:endParaRPr>
-          </a:p>
-        </p:txBody>
-      </p:sp>
-      <p:sp>
-        <p:nvSpPr>
-          <p:cNvPr id="6" name="TextBox 5"/>
+        </p:txBody>
+      </p:sp>
+      <p:sp>
+        <p:nvSpPr>
+          <p:cNvPr id="3" name="TextBox 2"/>
           <p:cNvSpPr txBox="1"/>
           <p:nvPr/>
         </p:nvSpPr>
         <p:spPr>
           <a:xfrm>
-            <a:off x="911424" y="1700808"/>
-            <a:ext cx="1008112" cy="830997"/>
+            <a:off x="0" y="5061182"/>
+            <a:ext cx="12192000" cy="830997"/>
           </a:xfrm>
           <a:prstGeom prst="rect">
             <a:avLst/>
@@ -3622,35 +4629,40 @@
           </a:bodyPr>
           <a:lstStyle/>
           <a:p>
+            <a:pPr algn="ctr"/>
             <a:r>
               <a:rPr lang="en-US" sz="4800" b="1" dirty="0">
                 <a:solidFill>
-                  <a:srgbClr val="000066"/>
+                  <a:srgbClr val="660033"/>
                 </a:solidFill>
               </a:rPr>
-              <a:t>2</a:t>
-            </a:r>
-            <a:r>
-              <a:rPr lang="en-US" sz="4800" b="1" dirty="0" smtClean="0">
-                <a:solidFill>
-                  <a:srgbClr val="000066"/>
-                </a:solidFill>
-              </a:rPr>
-              <a:t>.</a:t>
+              <a:t>( 1 )</a:t>
             </a:r>
             <a:endParaRPr lang="vi-VN" sz="4800" b="1" dirty="0">
               <a:solidFill>
-                <a:srgbClr val="000066"/>
+                <a:srgbClr val="660033"/>
               </a:solidFill>
             </a:endParaRPr>
           </a:p>
         </p:txBody>
       </p:sp>
     </p:spTree>
+    <p:extLst>
+      <p:ext uri="{BB962C8B-B14F-4D97-AF65-F5344CB8AC3E}">
+        <p14:creationId xmlns:p14="http://schemas.microsoft.com/office/powerpoint/2010/main" val="1180562804"/>
+      </p:ext>
+    </p:extLst>
   </p:cSld>
   <p:clrMapOvr>
     <a:masterClrMapping/>
   </p:clrMapOvr>
+  <p:timing>
+    <p:tnLst>
+      <p:par>
+        <p:cTn id="1" dur="indefinite" restart="never" nodeType="tmRoot"/>
+      </p:par>
+    </p:tnLst>
+  </p:timing>
 </p:sld>
 </file>
 
@@ -3673,135 +4685,81 @@
       </p:grpSpPr>
       <p:sp>
         <p:nvSpPr>
-          <p:cNvPr id="4" name="標題 3"/>
-          <p:cNvSpPr>
-            <a:spLocks noGrp="1"/>
-          </p:cNvSpPr>
-          <p:nvPr>
-            <p:ph type="title"/>
-          </p:nvPr>
-        </p:nvSpPr>
-        <p:spPr/>
-        <p:txBody>
-          <a:bodyPr>
+          <p:cNvPr id="5" name="內容版面配置區 4"/>
+          <p:cNvSpPr>
+            <a:spLocks noGrp="1"/>
+          </p:cNvSpPr>
+          <p:nvPr>
+            <p:ph idx="1"/>
+          </p:nvPr>
+        </p:nvSpPr>
+        <p:spPr>
+          <a:xfrm>
+            <a:off x="0" y="2084851"/>
+            <a:ext cx="12192000" cy="2404863"/>
+          </a:xfrm>
+        </p:spPr>
+        <p:txBody>
+          <a:bodyPr anchor="ctr">
             <a:normAutofit/>
           </a:bodyPr>
           <a:lstStyle/>
           <a:p>
-            <a:r>
-              <a:rPr lang="zh-CN" altLang="en-US" sz="4800" b="1" dirty="0">
-                <a:solidFill>
-                  <a:srgbClr val="000066"/>
+            <a:pPr algn="ctr">
+              <a:buNone/>
+            </a:pPr>
+            <a:r>
+              <a:rPr lang="zh-CN" altLang="en-US" sz="6400" b="1" dirty="0">
+                <a:solidFill>
+                  <a:srgbClr val="660033"/>
                 </a:solidFill>
                 <a:latin typeface="微軟正黑體" pitchFamily="34" charset="-120"/>
                 <a:ea typeface="微軟正黑體" pitchFamily="34" charset="-120"/>
               </a:rPr>
-              <a:t>基督化家庭</a:t>
-            </a:r>
-            <a:endParaRPr lang="zh-TW" altLang="en-US" sz="4800" b="1" dirty="0">
+              <a:t>家庭要和睦  </a:t>
+            </a:r>
+            <a:endParaRPr lang="en-US" altLang="zh-CN" sz="6400" b="1" dirty="0">
               <a:solidFill>
-                <a:srgbClr val="000066"/>
+                <a:srgbClr val="660033"/>
               </a:solidFill>
               <a:latin typeface="微軟正黑體" pitchFamily="34" charset="-120"/>
               <a:ea typeface="微軟正黑體" pitchFamily="34" charset="-120"/>
             </a:endParaRPr>
           </a:p>
-        </p:txBody>
-      </p:sp>
-      <p:sp>
-        <p:nvSpPr>
-          <p:cNvPr id="5" name="內容版面配置區 4"/>
-          <p:cNvSpPr>
-            <a:spLocks noGrp="1"/>
-          </p:cNvSpPr>
-          <p:nvPr>
-            <p:ph idx="1"/>
-          </p:nvPr>
-        </p:nvSpPr>
-        <p:spPr/>
-        <p:txBody>
-          <a:bodyPr>
-            <a:normAutofit/>
-          </a:bodyPr>
-          <a:lstStyle/>
           <a:p>
             <a:pPr algn="ctr">
               <a:buNone/>
             </a:pPr>
             <a:r>
-              <a:rPr lang="zh-CN" altLang="en-US" sz="5400" b="1" dirty="0">
-                <a:solidFill>
-                  <a:srgbClr val="000066"/>
+              <a:rPr lang="zh-CN" altLang="en-US" sz="6400" b="1" dirty="0">
+                <a:solidFill>
+                  <a:srgbClr val="660033"/>
                 </a:solidFill>
                 <a:latin typeface="微軟正黑體" pitchFamily="34" charset="-120"/>
                 <a:ea typeface="微軟正黑體" pitchFamily="34" charset="-120"/>
               </a:rPr>
-              <a:t>家庭要和睦  家庭要和睦</a:t>
-            </a:r>
-            <a:endParaRPr lang="en-US" altLang="zh-CN" sz="5400" b="1" dirty="0">
+              <a:t>家庭要和睦</a:t>
+            </a:r>
+            <a:endParaRPr lang="zh-TW" altLang="en-US" sz="6400" b="1" dirty="0">
               <a:solidFill>
-                <a:srgbClr val="000066"/>
+                <a:srgbClr val="660033"/>
               </a:solidFill>
               <a:latin typeface="微軟正黑體" pitchFamily="34" charset="-120"/>
               <a:ea typeface="微軟正黑體" pitchFamily="34" charset="-120"/>
             </a:endParaRPr>
           </a:p>
-          <a:p>
-            <a:pPr algn="ctr">
-              <a:buNone/>
-            </a:pPr>
-            <a:r>
-              <a:rPr lang="zh-CN" altLang="en-US" sz="5400" b="1" dirty="0">
-                <a:solidFill>
-                  <a:srgbClr val="000066"/>
-                </a:solidFill>
-                <a:latin typeface="微軟正黑體" pitchFamily="34" charset="-120"/>
-                <a:ea typeface="微軟正黑體" pitchFamily="34" charset="-120"/>
-              </a:rPr>
-              <a:t>合家禮拜禱告天上父</a:t>
-            </a:r>
-            <a:endParaRPr lang="en-US" altLang="zh-CN" sz="5400" b="1" dirty="0">
-              <a:solidFill>
-                <a:srgbClr val="000066"/>
-              </a:solidFill>
-              <a:latin typeface="微軟正黑體" pitchFamily="34" charset="-120"/>
-              <a:ea typeface="微軟正黑體" pitchFamily="34" charset="-120"/>
-            </a:endParaRPr>
-          </a:p>
-          <a:p>
-            <a:pPr algn="ctr">
-              <a:buNone/>
-            </a:pPr>
-            <a:r>
-              <a:rPr lang="zh-CN" altLang="en-US" sz="5400" b="1" dirty="0">
-                <a:solidFill>
-                  <a:srgbClr val="000066"/>
-                </a:solidFill>
-                <a:latin typeface="微軟正黑體" pitchFamily="34" charset="-120"/>
-                <a:ea typeface="微軟正黑體" pitchFamily="34" charset="-120"/>
-              </a:rPr>
-              <a:t>家庭要和睦</a:t>
-            </a:r>
-            <a:endParaRPr lang="zh-TW" altLang="en-US" sz="5400" b="1" dirty="0">
-              <a:solidFill>
-                <a:srgbClr val="000066"/>
-              </a:solidFill>
-              <a:latin typeface="微軟正黑體" pitchFamily="34" charset="-120"/>
-              <a:ea typeface="微軟正黑體" pitchFamily="34" charset="-120"/>
-            </a:endParaRPr>
-          </a:p>
-        </p:txBody>
-      </p:sp>
-      <p:sp>
-        <p:nvSpPr>
-          <p:cNvPr id="6" name="TextBox 5"/>
+        </p:txBody>
+      </p:sp>
+      <p:sp>
+        <p:nvSpPr>
+          <p:cNvPr id="3" name="TextBox 2"/>
           <p:cNvSpPr txBox="1"/>
           <p:nvPr/>
         </p:nvSpPr>
         <p:spPr>
           <a:xfrm>
-            <a:off x="911424" y="1700808"/>
-            <a:ext cx="1008112" cy="830997"/>
+            <a:off x="0" y="5061182"/>
+            <a:ext cx="12192000" cy="830997"/>
           </a:xfrm>
           <a:prstGeom prst="rect">
             <a:avLst/>
@@ -3814,35 +4772,40 @@
           </a:bodyPr>
           <a:lstStyle/>
           <a:p>
+            <a:pPr algn="ctr"/>
             <a:r>
               <a:rPr lang="en-US" sz="4800" b="1" dirty="0">
                 <a:solidFill>
-                  <a:srgbClr val="000066"/>
+                  <a:srgbClr val="660033"/>
                 </a:solidFill>
               </a:rPr>
-              <a:t>2</a:t>
-            </a:r>
-            <a:r>
-              <a:rPr lang="en-US" sz="4800" b="1" dirty="0" smtClean="0">
-                <a:solidFill>
-                  <a:srgbClr val="000066"/>
-                </a:solidFill>
-              </a:rPr>
-              <a:t>.</a:t>
+              <a:t>( 1 )</a:t>
             </a:r>
             <a:endParaRPr lang="vi-VN" sz="4800" b="1" dirty="0">
               <a:solidFill>
-                <a:srgbClr val="000066"/>
+                <a:srgbClr val="660033"/>
               </a:solidFill>
             </a:endParaRPr>
           </a:p>
         </p:txBody>
       </p:sp>
     </p:spTree>
+    <p:extLst>
+      <p:ext uri="{BB962C8B-B14F-4D97-AF65-F5344CB8AC3E}">
+        <p14:creationId xmlns:p14="http://schemas.microsoft.com/office/powerpoint/2010/main" val="748740982"/>
+      </p:ext>
+    </p:extLst>
   </p:cSld>
   <p:clrMapOvr>
     <a:masterClrMapping/>
   </p:clrMapOvr>
+  <p:timing>
+    <p:tnLst>
+      <p:par>
+        <p:cTn id="1" dur="indefinite" restart="never" nodeType="tmRoot"/>
+      </p:par>
+    </p:tnLst>
+  </p:timing>
 </p:sld>
 </file>
 
@@ -3865,157 +4828,81 @@
       </p:grpSpPr>
       <p:sp>
         <p:nvSpPr>
-          <p:cNvPr id="4" name="標題 3"/>
-          <p:cNvSpPr>
-            <a:spLocks noGrp="1"/>
-          </p:cNvSpPr>
-          <p:nvPr>
-            <p:ph type="title"/>
-          </p:nvPr>
-        </p:nvSpPr>
-        <p:spPr/>
-        <p:txBody>
-          <a:bodyPr>
+          <p:cNvPr id="5" name="內容版面配置區 4"/>
+          <p:cNvSpPr>
+            <a:spLocks noGrp="1"/>
+          </p:cNvSpPr>
+          <p:nvPr>
+            <p:ph idx="1"/>
+          </p:nvPr>
+        </p:nvSpPr>
+        <p:spPr>
+          <a:xfrm>
+            <a:off x="0" y="2084851"/>
+            <a:ext cx="12192000" cy="2404863"/>
+          </a:xfrm>
+        </p:spPr>
+        <p:txBody>
+          <a:bodyPr anchor="ctr">
             <a:normAutofit/>
           </a:bodyPr>
           <a:lstStyle/>
           <a:p>
-            <a:r>
-              <a:rPr lang="zh-CN" altLang="en-US" sz="4800" b="1" dirty="0">
-                <a:solidFill>
-                  <a:srgbClr val="000066"/>
+            <a:pPr algn="ctr">
+              <a:buNone/>
+            </a:pPr>
+            <a:r>
+              <a:rPr lang="zh-CN" altLang="en-US" sz="6400" b="1" dirty="0">
+                <a:solidFill>
+                  <a:srgbClr val="660033"/>
                 </a:solidFill>
                 <a:latin typeface="微軟正黑體" pitchFamily="34" charset="-120"/>
                 <a:ea typeface="微軟正黑體" pitchFamily="34" charset="-120"/>
               </a:rPr>
-              <a:t>基督化家庭</a:t>
-            </a:r>
-            <a:endParaRPr lang="zh-TW" altLang="en-US" sz="4800" b="1" dirty="0">
+              <a:t>合家相愛合家有真福</a:t>
+            </a:r>
+            <a:endParaRPr lang="en-US" altLang="zh-CN" sz="6400" b="1" dirty="0">
               <a:solidFill>
-                <a:srgbClr val="000066"/>
+                <a:srgbClr val="660033"/>
               </a:solidFill>
               <a:latin typeface="微軟正黑體" pitchFamily="34" charset="-120"/>
               <a:ea typeface="微軟正黑體" pitchFamily="34" charset="-120"/>
             </a:endParaRPr>
           </a:p>
-        </p:txBody>
-      </p:sp>
-      <p:sp>
-        <p:nvSpPr>
-          <p:cNvPr id="5" name="內容版面配置區 4"/>
-          <p:cNvSpPr>
-            <a:spLocks noGrp="1"/>
-          </p:cNvSpPr>
-          <p:nvPr>
-            <p:ph idx="1"/>
-          </p:nvPr>
-        </p:nvSpPr>
-        <p:spPr/>
-        <p:txBody>
-          <a:bodyPr>
-            <a:normAutofit/>
-          </a:bodyPr>
-          <a:lstStyle/>
           <a:p>
             <a:pPr algn="ctr">
               <a:buNone/>
             </a:pPr>
             <a:r>
-              <a:rPr lang="zh-CN" altLang="en-US" sz="5400" b="1" dirty="0">
-                <a:solidFill>
-                  <a:srgbClr val="000066"/>
+              <a:rPr lang="zh-CN" altLang="en-US" sz="6400" b="1" dirty="0">
+                <a:solidFill>
+                  <a:srgbClr val="660033"/>
                 </a:solidFill>
                 <a:latin typeface="微軟正黑體" pitchFamily="34" charset="-120"/>
                 <a:ea typeface="微軟正黑體" pitchFamily="34" charset="-120"/>
               </a:rPr>
-              <a:t>基督門徒家庭要和睦</a:t>
-            </a:r>
-            <a:endParaRPr lang="en-US" altLang="zh-CN" sz="5400" b="1" dirty="0">
+              <a:t>家庭要和睦</a:t>
+            </a:r>
+            <a:endParaRPr lang="zh-TW" altLang="en-US" sz="6400" b="1" dirty="0">
               <a:solidFill>
-                <a:srgbClr val="000066"/>
+                <a:srgbClr val="660033"/>
               </a:solidFill>
               <a:latin typeface="微軟正黑體" pitchFamily="34" charset="-120"/>
               <a:ea typeface="微軟正黑體" pitchFamily="34" charset="-120"/>
             </a:endParaRPr>
           </a:p>
-          <a:p>
-            <a:pPr algn="ctr">
-              <a:buNone/>
-            </a:pPr>
-            <a:r>
-              <a:rPr lang="zh-CN" altLang="en-US" sz="5400" b="1" dirty="0">
-                <a:solidFill>
-                  <a:srgbClr val="000066"/>
-                </a:solidFill>
-                <a:latin typeface="微軟正黑體" pitchFamily="34" charset="-120"/>
-                <a:ea typeface="微軟正黑體" pitchFamily="34" charset="-120"/>
-              </a:rPr>
-              <a:t>個個歡喜個個心滿足</a:t>
-            </a:r>
-            <a:endParaRPr lang="en-US" altLang="zh-CN" sz="5400" b="1" dirty="0">
-              <a:solidFill>
-                <a:srgbClr val="000066"/>
-              </a:solidFill>
-              <a:latin typeface="微軟正黑體" pitchFamily="34" charset="-120"/>
-              <a:ea typeface="微軟正黑體" pitchFamily="34" charset="-120"/>
-            </a:endParaRPr>
-          </a:p>
-          <a:p>
-            <a:pPr algn="ctr">
-              <a:buNone/>
-            </a:pPr>
-            <a:r>
-              <a:rPr lang="zh-CN" altLang="en-US" sz="5400" b="1" dirty="0">
-                <a:solidFill>
-                  <a:srgbClr val="000066"/>
-                </a:solidFill>
-                <a:latin typeface="微軟正黑體" pitchFamily="34" charset="-120"/>
-                <a:ea typeface="微軟正黑體" pitchFamily="34" charset="-120"/>
-              </a:rPr>
-              <a:t>和睦同居忍耐第一步</a:t>
-            </a:r>
-            <a:endParaRPr lang="en-US" altLang="zh-CN" sz="5400" b="1" dirty="0">
-              <a:solidFill>
-                <a:srgbClr val="000066"/>
-              </a:solidFill>
-              <a:latin typeface="微軟正黑體" pitchFamily="34" charset="-120"/>
-              <a:ea typeface="微軟正黑體" pitchFamily="34" charset="-120"/>
-            </a:endParaRPr>
-          </a:p>
-          <a:p>
-            <a:pPr algn="ctr">
-              <a:buNone/>
-            </a:pPr>
-            <a:r>
-              <a:rPr lang="zh-CN" altLang="en-US" sz="5400" b="1" dirty="0">
-                <a:solidFill>
-                  <a:srgbClr val="000066"/>
-                </a:solidFill>
-                <a:latin typeface="微軟正黑體" pitchFamily="34" charset="-120"/>
-                <a:ea typeface="微軟正黑體" pitchFamily="34" charset="-120"/>
-              </a:rPr>
-              <a:t>家庭要和睦</a:t>
-            </a:r>
-            <a:endParaRPr lang="zh-TW" altLang="en-US" sz="5400" b="1" dirty="0">
-              <a:solidFill>
-                <a:srgbClr val="000066"/>
-              </a:solidFill>
-              <a:latin typeface="微軟正黑體" pitchFamily="34" charset="-120"/>
-              <a:ea typeface="微軟正黑體" pitchFamily="34" charset="-120"/>
-            </a:endParaRPr>
-          </a:p>
-        </p:txBody>
-      </p:sp>
-      <p:sp>
-        <p:nvSpPr>
-          <p:cNvPr id="6" name="TextBox 5"/>
+        </p:txBody>
+      </p:sp>
+      <p:sp>
+        <p:nvSpPr>
+          <p:cNvPr id="3" name="TextBox 2"/>
           <p:cNvSpPr txBox="1"/>
           <p:nvPr/>
         </p:nvSpPr>
         <p:spPr>
           <a:xfrm>
-            <a:off x="911424" y="1700808"/>
-            <a:ext cx="1008112" cy="830997"/>
+            <a:off x="0" y="5061182"/>
+            <a:ext cx="12192000" cy="830997"/>
           </a:xfrm>
           <a:prstGeom prst="rect">
             <a:avLst/>
@@ -4028,35 +4915,40 @@
           </a:bodyPr>
           <a:lstStyle/>
           <a:p>
+            <a:pPr algn="ctr"/>
             <a:r>
               <a:rPr lang="en-US" sz="4800" b="1" dirty="0">
                 <a:solidFill>
-                  <a:srgbClr val="000066"/>
+                  <a:srgbClr val="660033"/>
                 </a:solidFill>
               </a:rPr>
-              <a:t>3</a:t>
-            </a:r>
-            <a:r>
-              <a:rPr lang="en-US" sz="4800" b="1" dirty="0" smtClean="0">
-                <a:solidFill>
-                  <a:srgbClr val="000066"/>
-                </a:solidFill>
-              </a:rPr>
-              <a:t>.</a:t>
+              <a:t>( 1 )</a:t>
             </a:r>
             <a:endParaRPr lang="vi-VN" sz="4800" b="1" dirty="0">
               <a:solidFill>
-                <a:srgbClr val="000066"/>
+                <a:srgbClr val="660033"/>
               </a:solidFill>
             </a:endParaRPr>
           </a:p>
         </p:txBody>
       </p:sp>
     </p:spTree>
+    <p:extLst>
+      <p:ext uri="{BB962C8B-B14F-4D97-AF65-F5344CB8AC3E}">
+        <p14:creationId xmlns:p14="http://schemas.microsoft.com/office/powerpoint/2010/main" val="4006186773"/>
+      </p:ext>
+    </p:extLst>
   </p:cSld>
   <p:clrMapOvr>
     <a:masterClrMapping/>
   </p:clrMapOvr>
+  <p:timing>
+    <p:tnLst>
+      <p:par>
+        <p:cTn id="1" dur="indefinite" restart="never" nodeType="tmRoot"/>
+      </p:par>
+    </p:tnLst>
+  </p:timing>
 </p:sld>
 </file>
 
@@ -4079,135 +4971,81 @@
       </p:grpSpPr>
       <p:sp>
         <p:nvSpPr>
-          <p:cNvPr id="4" name="標題 3"/>
-          <p:cNvSpPr>
-            <a:spLocks noGrp="1"/>
-          </p:cNvSpPr>
-          <p:nvPr>
-            <p:ph type="title"/>
-          </p:nvPr>
-        </p:nvSpPr>
-        <p:spPr/>
-        <p:txBody>
-          <a:bodyPr>
+          <p:cNvPr id="5" name="內容版面配置區 4"/>
+          <p:cNvSpPr>
+            <a:spLocks noGrp="1"/>
+          </p:cNvSpPr>
+          <p:nvPr>
+            <p:ph idx="1"/>
+          </p:nvPr>
+        </p:nvSpPr>
+        <p:spPr>
+          <a:xfrm>
+            <a:off x="0" y="2084851"/>
+            <a:ext cx="12192000" cy="2404863"/>
+          </a:xfrm>
+        </p:spPr>
+        <p:txBody>
+          <a:bodyPr anchor="ctr">
             <a:normAutofit/>
           </a:bodyPr>
           <a:lstStyle/>
           <a:p>
-            <a:r>
-              <a:rPr lang="zh-CN" altLang="en-US" sz="4800" b="1" dirty="0">
-                <a:solidFill>
-                  <a:srgbClr val="000066"/>
+            <a:pPr algn="ctr">
+              <a:buNone/>
+            </a:pPr>
+            <a:r>
+              <a:rPr lang="zh-CN" altLang="en-US" sz="6400" b="1" dirty="0">
+                <a:solidFill>
+                  <a:srgbClr val="660033"/>
                 </a:solidFill>
                 <a:latin typeface="微軟正黑體" pitchFamily="34" charset="-120"/>
                 <a:ea typeface="微軟正黑體" pitchFamily="34" charset="-120"/>
               </a:rPr>
-              <a:t>基督化家庭</a:t>
-            </a:r>
-            <a:endParaRPr lang="zh-TW" altLang="en-US" sz="4800" b="1" dirty="0">
+              <a:t>基督門徒家庭要和睦</a:t>
+            </a:r>
+            <a:endParaRPr lang="en-US" altLang="zh-CN" sz="6400" b="1" dirty="0">
               <a:solidFill>
-                <a:srgbClr val="000066"/>
+                <a:srgbClr val="660033"/>
               </a:solidFill>
               <a:latin typeface="微軟正黑體" pitchFamily="34" charset="-120"/>
               <a:ea typeface="微軟正黑體" pitchFamily="34" charset="-120"/>
             </a:endParaRPr>
           </a:p>
-        </p:txBody>
-      </p:sp>
-      <p:sp>
-        <p:nvSpPr>
-          <p:cNvPr id="5" name="內容版面配置區 4"/>
-          <p:cNvSpPr>
-            <a:spLocks noGrp="1"/>
-          </p:cNvSpPr>
-          <p:nvPr>
-            <p:ph idx="1"/>
-          </p:nvPr>
-        </p:nvSpPr>
-        <p:spPr/>
-        <p:txBody>
-          <a:bodyPr>
-            <a:normAutofit/>
-          </a:bodyPr>
-          <a:lstStyle/>
           <a:p>
             <a:pPr algn="ctr">
               <a:buNone/>
             </a:pPr>
             <a:r>
-              <a:rPr lang="zh-CN" altLang="en-US" sz="5400" b="1" dirty="0">
-                <a:solidFill>
-                  <a:srgbClr val="000066"/>
+              <a:rPr lang="zh-CN" altLang="en-US" sz="6400" b="1" dirty="0">
+                <a:solidFill>
+                  <a:srgbClr val="660033"/>
                 </a:solidFill>
                 <a:latin typeface="微軟正黑體" pitchFamily="34" charset="-120"/>
                 <a:ea typeface="微軟正黑體" pitchFamily="34" charset="-120"/>
               </a:rPr>
-              <a:t>家庭要和睦  家庭要和睦</a:t>
-            </a:r>
-            <a:endParaRPr lang="en-US" altLang="zh-CN" sz="5400" b="1" dirty="0">
+              <a:t>同心事主同心走天路</a:t>
+            </a:r>
+            <a:endParaRPr lang="en-US" altLang="zh-CN" sz="6400" b="1" dirty="0">
               <a:solidFill>
-                <a:srgbClr val="000066"/>
+                <a:srgbClr val="660033"/>
               </a:solidFill>
               <a:latin typeface="微軟正黑體" pitchFamily="34" charset="-120"/>
               <a:ea typeface="微軟正黑體" pitchFamily="34" charset="-120"/>
             </a:endParaRPr>
           </a:p>
-          <a:p>
-            <a:pPr algn="ctr">
-              <a:buNone/>
-            </a:pPr>
-            <a:r>
-              <a:rPr lang="zh-CN" altLang="en-US" sz="5400" b="1" dirty="0">
-                <a:solidFill>
-                  <a:srgbClr val="000066"/>
-                </a:solidFill>
-                <a:latin typeface="微軟正黑體" pitchFamily="34" charset="-120"/>
-                <a:ea typeface="微軟正黑體" pitchFamily="34" charset="-120"/>
-              </a:rPr>
-              <a:t>凡事相商大家無衝突</a:t>
-            </a:r>
-            <a:endParaRPr lang="en-US" altLang="zh-CN" sz="5400" b="1" dirty="0">
-              <a:solidFill>
-                <a:srgbClr val="000066"/>
-              </a:solidFill>
-              <a:latin typeface="微軟正黑體" pitchFamily="34" charset="-120"/>
-              <a:ea typeface="微軟正黑體" pitchFamily="34" charset="-120"/>
-            </a:endParaRPr>
-          </a:p>
-          <a:p>
-            <a:pPr algn="ctr">
-              <a:buNone/>
-            </a:pPr>
-            <a:r>
-              <a:rPr lang="zh-CN" altLang="en-US" sz="5400" b="1" dirty="0">
-                <a:solidFill>
-                  <a:srgbClr val="000066"/>
-                </a:solidFill>
-                <a:latin typeface="微軟正黑體" pitchFamily="34" charset="-120"/>
-                <a:ea typeface="微軟正黑體" pitchFamily="34" charset="-120"/>
-              </a:rPr>
-              <a:t>家庭要和睦</a:t>
-            </a:r>
-            <a:endParaRPr lang="zh-TW" altLang="en-US" sz="5400" b="1" dirty="0">
-              <a:solidFill>
-                <a:srgbClr val="000066"/>
-              </a:solidFill>
-              <a:latin typeface="微軟正黑體" pitchFamily="34" charset="-120"/>
-              <a:ea typeface="微軟正黑體" pitchFamily="34" charset="-120"/>
-            </a:endParaRPr>
-          </a:p>
-        </p:txBody>
-      </p:sp>
-      <p:sp>
-        <p:nvSpPr>
-          <p:cNvPr id="6" name="TextBox 5"/>
+        </p:txBody>
+      </p:sp>
+      <p:sp>
+        <p:nvSpPr>
+          <p:cNvPr id="3" name="TextBox 2"/>
           <p:cNvSpPr txBox="1"/>
           <p:nvPr/>
         </p:nvSpPr>
         <p:spPr>
           <a:xfrm>
-            <a:off x="911424" y="1700808"/>
-            <a:ext cx="1008112" cy="830997"/>
+            <a:off x="0" y="5061182"/>
+            <a:ext cx="12192000" cy="830997"/>
           </a:xfrm>
           <a:prstGeom prst="rect">
             <a:avLst/>
@@ -4220,35 +5058,40 @@
           </a:bodyPr>
           <a:lstStyle/>
           <a:p>
+            <a:pPr algn="ctr"/>
             <a:r>
               <a:rPr lang="en-US" sz="4800" b="1" dirty="0">
                 <a:solidFill>
-                  <a:srgbClr val="000066"/>
+                  <a:srgbClr val="660033"/>
                 </a:solidFill>
               </a:rPr>
-              <a:t>3</a:t>
-            </a:r>
-            <a:r>
-              <a:rPr lang="en-US" sz="4800" b="1" dirty="0" smtClean="0">
-                <a:solidFill>
-                  <a:srgbClr val="000066"/>
-                </a:solidFill>
-              </a:rPr>
-              <a:t>.</a:t>
+              <a:t>( 2 )</a:t>
             </a:r>
             <a:endParaRPr lang="vi-VN" sz="4800" b="1" dirty="0">
               <a:solidFill>
-                <a:srgbClr val="000066"/>
+                <a:srgbClr val="660033"/>
               </a:solidFill>
             </a:endParaRPr>
           </a:p>
         </p:txBody>
       </p:sp>
     </p:spTree>
+    <p:extLst>
+      <p:ext uri="{BB962C8B-B14F-4D97-AF65-F5344CB8AC3E}">
+        <p14:creationId xmlns:p14="http://schemas.microsoft.com/office/powerpoint/2010/main" val="1822755771"/>
+      </p:ext>
+    </p:extLst>
   </p:cSld>
   <p:clrMapOvr>
     <a:masterClrMapping/>
   </p:clrMapOvr>
+  <p:timing>
+    <p:tnLst>
+      <p:par>
+        <p:cTn id="1" dur="indefinite" restart="never" nodeType="tmRoot"/>
+      </p:par>
+    </p:tnLst>
+  </p:timing>
 </p:sld>
 </file>
 
@@ -4271,157 +5114,81 @@
       </p:grpSpPr>
       <p:sp>
         <p:nvSpPr>
-          <p:cNvPr id="4" name="標題 3"/>
-          <p:cNvSpPr>
-            <a:spLocks noGrp="1"/>
-          </p:cNvSpPr>
-          <p:nvPr>
-            <p:ph type="title"/>
-          </p:nvPr>
-        </p:nvSpPr>
-        <p:spPr/>
-        <p:txBody>
-          <a:bodyPr>
+          <p:cNvPr id="5" name="內容版面配置區 4"/>
+          <p:cNvSpPr>
+            <a:spLocks noGrp="1"/>
+          </p:cNvSpPr>
+          <p:nvPr>
+            <p:ph idx="1"/>
+          </p:nvPr>
+        </p:nvSpPr>
+        <p:spPr>
+          <a:xfrm>
+            <a:off x="0" y="2084851"/>
+            <a:ext cx="12192000" cy="2404863"/>
+          </a:xfrm>
+        </p:spPr>
+        <p:txBody>
+          <a:bodyPr anchor="ctr">
             <a:normAutofit/>
           </a:bodyPr>
           <a:lstStyle/>
           <a:p>
-            <a:r>
-              <a:rPr lang="zh-CN" altLang="en-US" sz="4800" b="1" dirty="0">
-                <a:solidFill>
-                  <a:srgbClr val="000066"/>
+            <a:pPr algn="ctr">
+              <a:buNone/>
+            </a:pPr>
+            <a:r>
+              <a:rPr lang="zh-CN" altLang="en-US" sz="6400" b="1" dirty="0">
+                <a:solidFill>
+                  <a:srgbClr val="660033"/>
                 </a:solidFill>
                 <a:latin typeface="微軟正黑體" pitchFamily="34" charset="-120"/>
                 <a:ea typeface="微軟正黑體" pitchFamily="34" charset="-120"/>
               </a:rPr>
-              <a:t>基督化家庭</a:t>
-            </a:r>
-            <a:endParaRPr lang="zh-TW" altLang="en-US" sz="4800" b="1" dirty="0">
+              <a:t>詩歌同唱聖經也同讀</a:t>
+            </a:r>
+            <a:endParaRPr lang="en-US" altLang="zh-CN" sz="6400" b="1" dirty="0">
               <a:solidFill>
-                <a:srgbClr val="000066"/>
+                <a:srgbClr val="660033"/>
               </a:solidFill>
               <a:latin typeface="微軟正黑體" pitchFamily="34" charset="-120"/>
               <a:ea typeface="微軟正黑體" pitchFamily="34" charset="-120"/>
             </a:endParaRPr>
           </a:p>
-        </p:txBody>
-      </p:sp>
-      <p:sp>
-        <p:nvSpPr>
-          <p:cNvPr id="5" name="內容版面配置區 4"/>
-          <p:cNvSpPr>
-            <a:spLocks noGrp="1"/>
-          </p:cNvSpPr>
-          <p:nvPr>
-            <p:ph idx="1"/>
-          </p:nvPr>
-        </p:nvSpPr>
-        <p:spPr/>
-        <p:txBody>
-          <a:bodyPr>
-            <a:normAutofit/>
-          </a:bodyPr>
-          <a:lstStyle/>
           <a:p>
             <a:pPr algn="ctr">
               <a:buNone/>
             </a:pPr>
             <a:r>
-              <a:rPr lang="zh-CN" altLang="en-US" sz="5400" b="1" dirty="0">
-                <a:solidFill>
-                  <a:srgbClr val="000066"/>
+              <a:rPr lang="zh-CN" altLang="en-US" sz="6400" b="1" dirty="0">
+                <a:solidFill>
+                  <a:srgbClr val="660033"/>
                 </a:solidFill>
                 <a:latin typeface="微軟正黑體" pitchFamily="34" charset="-120"/>
                 <a:ea typeface="微軟正黑體" pitchFamily="34" charset="-120"/>
               </a:rPr>
-              <a:t>基督門徒家庭要和睦</a:t>
-            </a:r>
-            <a:endParaRPr lang="en-US" altLang="zh-CN" sz="5400" b="1" dirty="0">
+              <a:t>家庭要和睦</a:t>
+            </a:r>
+            <a:endParaRPr lang="zh-TW" altLang="en-US" sz="6400" b="1" dirty="0">
               <a:solidFill>
-                <a:srgbClr val="000066"/>
+                <a:srgbClr val="660033"/>
               </a:solidFill>
               <a:latin typeface="微軟正黑體" pitchFamily="34" charset="-120"/>
               <a:ea typeface="微軟正黑體" pitchFamily="34" charset="-120"/>
             </a:endParaRPr>
           </a:p>
-          <a:p>
-            <a:pPr algn="ctr">
-              <a:buNone/>
-            </a:pPr>
-            <a:r>
-              <a:rPr lang="zh-CN" altLang="en-US" sz="5400" b="1" dirty="0">
-                <a:solidFill>
-                  <a:srgbClr val="000066"/>
-                </a:solidFill>
-                <a:latin typeface="微軟正黑體" pitchFamily="34" charset="-120"/>
-                <a:ea typeface="微軟正黑體" pitchFamily="34" charset="-120"/>
-              </a:rPr>
-              <a:t>真善真美猶如郇山露</a:t>
-            </a:r>
-            <a:endParaRPr lang="en-US" altLang="zh-CN" sz="5400" b="1" dirty="0">
-              <a:solidFill>
-                <a:srgbClr val="000066"/>
-              </a:solidFill>
-              <a:latin typeface="微軟正黑體" pitchFamily="34" charset="-120"/>
-              <a:ea typeface="微軟正黑體" pitchFamily="34" charset="-120"/>
-            </a:endParaRPr>
-          </a:p>
-          <a:p>
-            <a:pPr algn="ctr">
-              <a:buNone/>
-            </a:pPr>
-            <a:r>
-              <a:rPr lang="zh-CN" altLang="en-US" sz="5400" b="1" dirty="0">
-                <a:solidFill>
-                  <a:srgbClr val="000066"/>
-                </a:solidFill>
-                <a:latin typeface="微軟正黑體" pitchFamily="34" charset="-120"/>
-                <a:ea typeface="微軟正黑體" pitchFamily="34" charset="-120"/>
-              </a:rPr>
-              <a:t>合家老少效法主耶穌</a:t>
-            </a:r>
-            <a:endParaRPr lang="en-US" altLang="zh-CN" sz="5400" b="1" dirty="0">
-              <a:solidFill>
-                <a:srgbClr val="000066"/>
-              </a:solidFill>
-              <a:latin typeface="微軟正黑體" pitchFamily="34" charset="-120"/>
-              <a:ea typeface="微軟正黑體" pitchFamily="34" charset="-120"/>
-            </a:endParaRPr>
-          </a:p>
-          <a:p>
-            <a:pPr algn="ctr">
-              <a:buNone/>
-            </a:pPr>
-            <a:r>
-              <a:rPr lang="zh-CN" altLang="en-US" sz="5400" b="1" dirty="0">
-                <a:solidFill>
-                  <a:srgbClr val="000066"/>
-                </a:solidFill>
-                <a:latin typeface="微軟正黑體" pitchFamily="34" charset="-120"/>
-                <a:ea typeface="微軟正黑體" pitchFamily="34" charset="-120"/>
-              </a:rPr>
-              <a:t>家庭要和睦</a:t>
-            </a:r>
-            <a:endParaRPr lang="zh-TW" altLang="en-US" sz="5400" b="1" dirty="0">
-              <a:solidFill>
-                <a:srgbClr val="000066"/>
-              </a:solidFill>
-              <a:latin typeface="微軟正黑體" pitchFamily="34" charset="-120"/>
-              <a:ea typeface="微軟正黑體" pitchFamily="34" charset="-120"/>
-            </a:endParaRPr>
-          </a:p>
-        </p:txBody>
-      </p:sp>
-      <p:sp>
-        <p:nvSpPr>
-          <p:cNvPr id="6" name="TextBox 5"/>
+        </p:txBody>
+      </p:sp>
+      <p:sp>
+        <p:nvSpPr>
+          <p:cNvPr id="3" name="TextBox 2"/>
           <p:cNvSpPr txBox="1"/>
           <p:nvPr/>
         </p:nvSpPr>
         <p:spPr>
           <a:xfrm>
-            <a:off x="911424" y="1700808"/>
-            <a:ext cx="1008112" cy="830997"/>
+            <a:off x="0" y="5061182"/>
+            <a:ext cx="12192000" cy="830997"/>
           </a:xfrm>
           <a:prstGeom prst="rect">
             <a:avLst/>
@@ -4434,35 +5201,40 @@
           </a:bodyPr>
           <a:lstStyle/>
           <a:p>
+            <a:pPr algn="ctr"/>
             <a:r>
               <a:rPr lang="en-US" sz="4800" b="1" dirty="0">
                 <a:solidFill>
-                  <a:srgbClr val="000066"/>
+                  <a:srgbClr val="660033"/>
                 </a:solidFill>
               </a:rPr>
-              <a:t>4</a:t>
-            </a:r>
-            <a:r>
-              <a:rPr lang="en-US" sz="4800" b="1" dirty="0" smtClean="0">
-                <a:solidFill>
-                  <a:srgbClr val="000066"/>
-                </a:solidFill>
-              </a:rPr>
-              <a:t>.</a:t>
+              <a:t>( 2 )</a:t>
             </a:r>
             <a:endParaRPr lang="vi-VN" sz="4800" b="1" dirty="0">
               <a:solidFill>
-                <a:srgbClr val="000066"/>
+                <a:srgbClr val="660033"/>
               </a:solidFill>
             </a:endParaRPr>
           </a:p>
         </p:txBody>
       </p:sp>
     </p:spTree>
+    <p:extLst>
+      <p:ext uri="{BB962C8B-B14F-4D97-AF65-F5344CB8AC3E}">
+        <p14:creationId xmlns:p14="http://schemas.microsoft.com/office/powerpoint/2010/main" val="467341270"/>
+      </p:ext>
+    </p:extLst>
   </p:cSld>
   <p:clrMapOvr>
     <a:masterClrMapping/>
   </p:clrMapOvr>
+  <p:timing>
+    <p:tnLst>
+      <p:par>
+        <p:cTn id="1" dur="indefinite" restart="never" nodeType="tmRoot"/>
+      </p:par>
+    </p:tnLst>
+  </p:timing>
 </p:sld>
 </file>
 
@@ -4485,135 +5257,81 @@
       </p:grpSpPr>
       <p:sp>
         <p:nvSpPr>
-          <p:cNvPr id="4" name="標題 3"/>
-          <p:cNvSpPr>
-            <a:spLocks noGrp="1"/>
-          </p:cNvSpPr>
-          <p:nvPr>
-            <p:ph type="title"/>
-          </p:nvPr>
-        </p:nvSpPr>
-        <p:spPr/>
-        <p:txBody>
-          <a:bodyPr>
+          <p:cNvPr id="5" name="內容版面配置區 4"/>
+          <p:cNvSpPr>
+            <a:spLocks noGrp="1"/>
+          </p:cNvSpPr>
+          <p:nvPr>
+            <p:ph idx="1"/>
+          </p:nvPr>
+        </p:nvSpPr>
+        <p:spPr>
+          <a:xfrm>
+            <a:off x="0" y="2084851"/>
+            <a:ext cx="12192000" cy="2404863"/>
+          </a:xfrm>
+        </p:spPr>
+        <p:txBody>
+          <a:bodyPr anchor="ctr">
             <a:normAutofit/>
           </a:bodyPr>
           <a:lstStyle/>
           <a:p>
-            <a:r>
-              <a:rPr lang="zh-CN" altLang="en-US" sz="4800" b="1" dirty="0">
-                <a:solidFill>
-                  <a:srgbClr val="000066"/>
+            <a:pPr algn="ctr">
+              <a:buNone/>
+            </a:pPr>
+            <a:r>
+              <a:rPr lang="zh-CN" altLang="en-US" sz="6400" b="1" dirty="0">
+                <a:solidFill>
+                  <a:srgbClr val="660033"/>
                 </a:solidFill>
                 <a:latin typeface="微軟正黑體" pitchFamily="34" charset="-120"/>
                 <a:ea typeface="微軟正黑體" pitchFamily="34" charset="-120"/>
               </a:rPr>
-              <a:t>基督化家庭</a:t>
-            </a:r>
-            <a:endParaRPr lang="zh-TW" altLang="en-US" sz="4800" b="1" dirty="0">
+              <a:t>家庭要和睦  </a:t>
+            </a:r>
+            <a:endParaRPr lang="en-US" altLang="zh-CN" sz="6400" b="1" dirty="0">
               <a:solidFill>
-                <a:srgbClr val="000066"/>
+                <a:srgbClr val="660033"/>
               </a:solidFill>
               <a:latin typeface="微軟正黑體" pitchFamily="34" charset="-120"/>
               <a:ea typeface="微軟正黑體" pitchFamily="34" charset="-120"/>
             </a:endParaRPr>
           </a:p>
-        </p:txBody>
-      </p:sp>
-      <p:sp>
-        <p:nvSpPr>
-          <p:cNvPr id="5" name="內容版面配置區 4"/>
-          <p:cNvSpPr>
-            <a:spLocks noGrp="1"/>
-          </p:cNvSpPr>
-          <p:nvPr>
-            <p:ph idx="1"/>
-          </p:nvPr>
-        </p:nvSpPr>
-        <p:spPr/>
-        <p:txBody>
-          <a:bodyPr>
-            <a:normAutofit/>
-          </a:bodyPr>
-          <a:lstStyle/>
           <a:p>
             <a:pPr algn="ctr">
               <a:buNone/>
             </a:pPr>
             <a:r>
-              <a:rPr lang="zh-CN" altLang="en-US" sz="5400" b="1" dirty="0">
-                <a:solidFill>
-                  <a:srgbClr val="000066"/>
+              <a:rPr lang="zh-CN" altLang="en-US" sz="6400" b="1" dirty="0">
+                <a:solidFill>
+                  <a:srgbClr val="660033"/>
                 </a:solidFill>
                 <a:latin typeface="微軟正黑體" pitchFamily="34" charset="-120"/>
                 <a:ea typeface="微軟正黑體" pitchFamily="34" charset="-120"/>
               </a:rPr>
-              <a:t>家庭要和睦  家庭要和睦</a:t>
-            </a:r>
-            <a:endParaRPr lang="en-US" altLang="zh-CN" sz="5400" b="1" dirty="0">
+              <a:t>家庭要和睦</a:t>
+            </a:r>
+            <a:endParaRPr lang="zh-TW" altLang="en-US" sz="6400" b="1" dirty="0">
               <a:solidFill>
-                <a:srgbClr val="000066"/>
+                <a:srgbClr val="660033"/>
               </a:solidFill>
               <a:latin typeface="微軟正黑體" pitchFamily="34" charset="-120"/>
               <a:ea typeface="微軟正黑體" pitchFamily="34" charset="-120"/>
             </a:endParaRPr>
           </a:p>
-          <a:p>
-            <a:pPr algn="ctr">
-              <a:buNone/>
-            </a:pPr>
-            <a:r>
-              <a:rPr lang="zh-CN" altLang="en-US" sz="5400" b="1" dirty="0">
-                <a:solidFill>
-                  <a:srgbClr val="000066"/>
-                </a:solidFill>
-                <a:latin typeface="微軟正黑體" pitchFamily="34" charset="-120"/>
-                <a:ea typeface="微軟正黑體" pitchFamily="34" charset="-120"/>
-              </a:rPr>
-              <a:t>預備他年得享天堂福</a:t>
-            </a:r>
-            <a:endParaRPr lang="en-US" altLang="zh-CN" sz="5400" b="1" dirty="0">
-              <a:solidFill>
-                <a:srgbClr val="000066"/>
-              </a:solidFill>
-              <a:latin typeface="微軟正黑體" pitchFamily="34" charset="-120"/>
-              <a:ea typeface="微軟正黑體" pitchFamily="34" charset="-120"/>
-            </a:endParaRPr>
-          </a:p>
-          <a:p>
-            <a:pPr algn="ctr">
-              <a:buNone/>
-            </a:pPr>
-            <a:r>
-              <a:rPr lang="zh-CN" altLang="en-US" sz="5400" b="1" dirty="0">
-                <a:solidFill>
-                  <a:srgbClr val="000066"/>
-                </a:solidFill>
-                <a:latin typeface="微軟正黑體" pitchFamily="34" charset="-120"/>
-                <a:ea typeface="微軟正黑體" pitchFamily="34" charset="-120"/>
-              </a:rPr>
-              <a:t>家庭要和睦</a:t>
-            </a:r>
-            <a:endParaRPr lang="zh-TW" altLang="en-US" sz="5400" b="1" dirty="0">
-              <a:solidFill>
-                <a:srgbClr val="000066"/>
-              </a:solidFill>
-              <a:latin typeface="微軟正黑體" pitchFamily="34" charset="-120"/>
-              <a:ea typeface="微軟正黑體" pitchFamily="34" charset="-120"/>
-            </a:endParaRPr>
-          </a:p>
-        </p:txBody>
-      </p:sp>
-      <p:sp>
-        <p:nvSpPr>
-          <p:cNvPr id="6" name="TextBox 5"/>
+        </p:txBody>
+      </p:sp>
+      <p:sp>
+        <p:nvSpPr>
+          <p:cNvPr id="3" name="TextBox 2"/>
           <p:cNvSpPr txBox="1"/>
           <p:nvPr/>
         </p:nvSpPr>
         <p:spPr>
           <a:xfrm>
-            <a:off x="911424" y="1700808"/>
-            <a:ext cx="1008112" cy="830997"/>
+            <a:off x="0" y="5061182"/>
+            <a:ext cx="12192000" cy="830997"/>
           </a:xfrm>
           <a:prstGeom prst="rect">
             <a:avLst/>
@@ -4626,35 +5344,183 @@
           </a:bodyPr>
           <a:lstStyle/>
           <a:p>
+            <a:pPr algn="ctr"/>
             <a:r>
               <a:rPr lang="en-US" sz="4800" b="1" dirty="0">
                 <a:solidFill>
-                  <a:srgbClr val="000066"/>
+                  <a:srgbClr val="660033"/>
                 </a:solidFill>
               </a:rPr>
-              <a:t>4</a:t>
-            </a:r>
-            <a:r>
-              <a:rPr lang="en-US" sz="4800" b="1" dirty="0" smtClean="0">
-                <a:solidFill>
-                  <a:srgbClr val="000066"/>
-                </a:solidFill>
-              </a:rPr>
-              <a:t>.</a:t>
+              <a:t>( 2 )</a:t>
             </a:r>
             <a:endParaRPr lang="vi-VN" sz="4800" b="1" dirty="0">
               <a:solidFill>
-                <a:srgbClr val="000066"/>
+                <a:srgbClr val="660033"/>
               </a:solidFill>
             </a:endParaRPr>
           </a:p>
         </p:txBody>
       </p:sp>
     </p:spTree>
+    <p:extLst>
+      <p:ext uri="{BB962C8B-B14F-4D97-AF65-F5344CB8AC3E}">
+        <p14:creationId xmlns:p14="http://schemas.microsoft.com/office/powerpoint/2010/main" val="1744300393"/>
+      </p:ext>
+    </p:extLst>
   </p:cSld>
   <p:clrMapOvr>
     <a:masterClrMapping/>
   </p:clrMapOvr>
+  <p:timing>
+    <p:tnLst>
+      <p:par>
+        <p:cTn id="1" dur="indefinite" restart="never" nodeType="tmRoot"/>
+      </p:par>
+    </p:tnLst>
+  </p:timing>
+</p:sld>
+</file>
+
+<file path=ppt/slides/slide9.xml><?xml version="1.0" encoding="utf-8"?>
+<p:sld xmlns:a="http://schemas.openxmlformats.org/drawingml/2006/main" xmlns:r="http://schemas.openxmlformats.org/officeDocument/2006/relationships" xmlns:p="http://schemas.openxmlformats.org/presentationml/2006/main">
+  <p:cSld>
+    <p:spTree>
+      <p:nvGrpSpPr>
+        <p:cNvPr id="1" name=""/>
+        <p:cNvGrpSpPr/>
+        <p:nvPr/>
+      </p:nvGrpSpPr>
+      <p:grpSpPr>
+        <a:xfrm>
+          <a:off x="0" y="0"/>
+          <a:ext cx="0" cy="0"/>
+          <a:chOff x="0" y="0"/>
+          <a:chExt cx="0" cy="0"/>
+        </a:xfrm>
+      </p:grpSpPr>
+      <p:sp>
+        <p:nvSpPr>
+          <p:cNvPr id="5" name="內容版面配置區 4"/>
+          <p:cNvSpPr>
+            <a:spLocks noGrp="1"/>
+          </p:cNvSpPr>
+          <p:nvPr>
+            <p:ph idx="1"/>
+          </p:nvPr>
+        </p:nvSpPr>
+        <p:spPr>
+          <a:xfrm>
+            <a:off x="0" y="2084851"/>
+            <a:ext cx="12192000" cy="2404863"/>
+          </a:xfrm>
+        </p:spPr>
+        <p:txBody>
+          <a:bodyPr anchor="ctr">
+            <a:normAutofit/>
+          </a:bodyPr>
+          <a:lstStyle/>
+          <a:p>
+            <a:pPr algn="ctr">
+              <a:buNone/>
+            </a:pPr>
+            <a:r>
+              <a:rPr lang="zh-CN" altLang="en-US" sz="6400" b="1" dirty="0">
+                <a:solidFill>
+                  <a:srgbClr val="660033"/>
+                </a:solidFill>
+                <a:latin typeface="微軟正黑體" pitchFamily="34" charset="-120"/>
+                <a:ea typeface="微軟正黑體" pitchFamily="34" charset="-120"/>
+              </a:rPr>
+              <a:t>合家禮拜禱告天上父</a:t>
+            </a:r>
+            <a:endParaRPr lang="en-US" altLang="zh-CN" sz="6400" b="1" dirty="0">
+              <a:solidFill>
+                <a:srgbClr val="660033"/>
+              </a:solidFill>
+              <a:latin typeface="微軟正黑體" pitchFamily="34" charset="-120"/>
+              <a:ea typeface="微軟正黑體" pitchFamily="34" charset="-120"/>
+            </a:endParaRPr>
+          </a:p>
+          <a:p>
+            <a:pPr algn="ctr">
+              <a:buNone/>
+            </a:pPr>
+            <a:r>
+              <a:rPr lang="zh-CN" altLang="en-US" sz="6400" b="1" dirty="0">
+                <a:solidFill>
+                  <a:srgbClr val="660033"/>
+                </a:solidFill>
+                <a:latin typeface="微軟正黑體" pitchFamily="34" charset="-120"/>
+                <a:ea typeface="微軟正黑體" pitchFamily="34" charset="-120"/>
+              </a:rPr>
+              <a:t>家庭要和睦</a:t>
+            </a:r>
+            <a:endParaRPr lang="zh-TW" altLang="en-US" sz="6400" b="1" dirty="0">
+              <a:solidFill>
+                <a:srgbClr val="660033"/>
+              </a:solidFill>
+              <a:latin typeface="微軟正黑體" pitchFamily="34" charset="-120"/>
+              <a:ea typeface="微軟正黑體" pitchFamily="34" charset="-120"/>
+            </a:endParaRPr>
+          </a:p>
+        </p:txBody>
+      </p:sp>
+      <p:sp>
+        <p:nvSpPr>
+          <p:cNvPr id="3" name="TextBox 2"/>
+          <p:cNvSpPr txBox="1"/>
+          <p:nvPr/>
+        </p:nvSpPr>
+        <p:spPr>
+          <a:xfrm>
+            <a:off x="0" y="5061182"/>
+            <a:ext cx="12192000" cy="830997"/>
+          </a:xfrm>
+          <a:prstGeom prst="rect">
+            <a:avLst/>
+          </a:prstGeom>
+          <a:noFill/>
+        </p:spPr>
+        <p:txBody>
+          <a:bodyPr wrap="square" rtlCol="0">
+            <a:spAutoFit/>
+          </a:bodyPr>
+          <a:lstStyle/>
+          <a:p>
+            <a:pPr algn="ctr"/>
+            <a:r>
+              <a:rPr lang="en-US" sz="4800" b="1" dirty="0">
+                <a:solidFill>
+                  <a:srgbClr val="660033"/>
+                </a:solidFill>
+              </a:rPr>
+              <a:t>( 2 )</a:t>
+            </a:r>
+            <a:endParaRPr lang="vi-VN" sz="4800" b="1" dirty="0">
+              <a:solidFill>
+                <a:srgbClr val="660033"/>
+              </a:solidFill>
+            </a:endParaRPr>
+          </a:p>
+        </p:txBody>
+      </p:sp>
+    </p:spTree>
+    <p:extLst>
+      <p:ext uri="{BB962C8B-B14F-4D97-AF65-F5344CB8AC3E}">
+        <p14:creationId xmlns:p14="http://schemas.microsoft.com/office/powerpoint/2010/main" val="2623917960"/>
+      </p:ext>
+    </p:extLst>
+  </p:cSld>
+  <p:clrMapOvr>
+    <a:masterClrMapping/>
+  </p:clrMapOvr>
+  <p:timing>
+    <p:tnLst>
+      <p:par>
+        <p:cTn id="1" dur="indefinite" restart="never" nodeType="tmRoot"/>
+      </p:par>
+    </p:tnLst>
+  </p:timing>
 </p:sld>
 </file>
 
